--- a/doc/Template_ppt_sesion_Chatbot_para_refugiados.pptx
+++ b/doc/Template_ppt_sesion_Chatbot_para_refugiados.pptx
@@ -6,7 +6,7 @@
     <p:sldMasterId id="2147483672" r:id="rId2"/>
   </p:sldMasterIdLst>
   <p:notesMasterIdLst>
-    <p:notesMasterId r:id="rId21"/>
+    <p:notesMasterId r:id="rId20"/>
   </p:notesMasterIdLst>
   <p:sldIdLst>
     <p:sldId id="257" r:id="rId3"/>
@@ -22,47 +22,46 @@
     <p:sldId id="260" r:id="rId13"/>
     <p:sldId id="269" r:id="rId14"/>
     <p:sldId id="263" r:id="rId15"/>
-    <p:sldId id="270" r:id="rId16"/>
-    <p:sldId id="271" r:id="rId17"/>
+    <p:sldId id="271" r:id="rId16"/>
+    <p:sldId id="270" r:id="rId17"/>
     <p:sldId id="272" r:id="rId18"/>
-    <p:sldId id="273" r:id="rId19"/>
-    <p:sldId id="261" r:id="rId20"/>
+    <p:sldId id="261" r:id="rId19"/>
   </p:sldIdLst>
   <p:sldSz cx="9144000" cy="5143500" type="screen16x9"/>
   <p:notesSz cx="6858000" cy="9144000"/>
   <p:embeddedFontLst>
     <p:embeddedFont>
-      <p:font typeface="Lato Black" panose="020B0604020202020204" charset="0"/>
+      <p:font typeface="Lato" panose="020B0604020202020204" charset="0"/>
+      <p:regular r:id="rId21"/>
       <p:bold r:id="rId22"/>
-      <p:boldItalic r:id="rId23"/>
+      <p:italic r:id="rId23"/>
+      <p:boldItalic r:id="rId24"/>
     </p:embeddedFont>
     <p:embeddedFont>
       <p:font typeface="Calibri" panose="020F0502020204030204" pitchFamily="34" charset="0"/>
-      <p:regular r:id="rId24"/>
-      <p:bold r:id="rId25"/>
-      <p:italic r:id="rId26"/>
-      <p:boldItalic r:id="rId27"/>
+      <p:regular r:id="rId25"/>
+      <p:bold r:id="rId26"/>
+      <p:italic r:id="rId27"/>
+      <p:boldItalic r:id="rId28"/>
+    </p:embeddedFont>
+    <p:embeddedFont>
+      <p:font typeface="Montserrat" panose="020B0604020202020204" charset="0"/>
+      <p:regular r:id="rId29"/>
+      <p:bold r:id="rId30"/>
+      <p:italic r:id="rId31"/>
+      <p:boldItalic r:id="rId32"/>
     </p:embeddedFont>
     <p:embeddedFont>
       <p:font typeface="Montserrat Medium" panose="020B0604020202020204" charset="0"/>
-      <p:regular r:id="rId28"/>
-      <p:bold r:id="rId29"/>
-      <p:italic r:id="rId30"/>
-      <p:boldItalic r:id="rId31"/>
+      <p:regular r:id="rId33"/>
+      <p:bold r:id="rId34"/>
+      <p:italic r:id="rId35"/>
+      <p:boldItalic r:id="rId36"/>
     </p:embeddedFont>
     <p:embeddedFont>
-      <p:font typeface="Lato" panose="020B0604020202020204" charset="0"/>
-      <p:regular r:id="rId32"/>
-      <p:bold r:id="rId33"/>
-      <p:italic r:id="rId34"/>
-      <p:boldItalic r:id="rId35"/>
-    </p:embeddedFont>
-    <p:embeddedFont>
-      <p:font typeface="Montserrat" panose="020B0604020202020204" charset="0"/>
-      <p:regular r:id="rId36"/>
+      <p:font typeface="Lato Black" panose="020B0604020202020204" charset="0"/>
       <p:bold r:id="rId37"/>
-      <p:italic r:id="rId38"/>
-      <p:boldItalic r:id="rId39"/>
+      <p:boldItalic r:id="rId38"/>
     </p:embeddedFont>
   </p:embeddedFontLst>
   <p:defaultTextStyle>
@@ -296,7 +295,7 @@
   </p:defaultTextStyle>
   <p:extLst>
     <p:ext uri="{EFAFB233-063F-42B5-8137-9DF3F51BA10A}">
-      <p15:sldGuideLst xmlns="" xmlns:mc="http://schemas.openxmlformats.org/markup-compatibility/2006" xmlns:mv="urn:schemas-microsoft-com:mac:vml" xmlns:c="http://schemas.openxmlformats.org/drawingml/2006/chart" xmlns:dgm="http://schemas.openxmlformats.org/drawingml/2006/diagram" xmlns:o="urn:schemas-microsoft-com:office:office" xmlns:v="urn:schemas-microsoft-com:vml" xmlns:pvml="urn:schemas-microsoft-com:office:powerpoint" xmlns:com="http://schemas.openxmlformats.org/drawingml/2006/compatibility" xmlns:p14="http://schemas.microsoft.com/office/powerpoint/2010/main" xmlns:p15="http://schemas.microsoft.com/office/powerpoint/2012/main" xmlns:ahyp="http://schemas.microsoft.com/office/drawing/2018/hyperlinkcolor">
+      <p15:sldGuideLst xmlns:ahyp="http://schemas.microsoft.com/office/drawing/2018/hyperlinkcolor" xmlns:p15="http://schemas.microsoft.com/office/powerpoint/2012/main" xmlns:p14="http://schemas.microsoft.com/office/powerpoint/2010/main" xmlns:com="http://schemas.openxmlformats.org/drawingml/2006/compatibility" xmlns:pvml="urn:schemas-microsoft-com:office:powerpoint" xmlns:v="urn:schemas-microsoft-com:vml" xmlns:o="urn:schemas-microsoft-com:office:office" xmlns:dgm="http://schemas.openxmlformats.org/drawingml/2006/diagram" xmlns:c="http://schemas.openxmlformats.org/drawingml/2006/chart" xmlns:mv="urn:schemas-microsoft-com:mac:vml" xmlns:mc="http://schemas.openxmlformats.org/markup-compatibility/2006" xmlns="">
         <p15:guide id="1" orient="horz" pos="1620">
           <p15:clr>
             <a:srgbClr val="A4A3A4"/>
@@ -1291,7 +1290,92 @@
               </a:spcAft>
               <a:buNone/>
             </a:pPr>
-            <a:endParaRPr/>
+            <a:r>
+              <a:rPr lang="es" dirty="0" smtClean="0"/>
+              <a:t>Aprovechamos</a:t>
+            </a:r>
+            <a:r>
+              <a:rPr lang="es" baseline="0" dirty="0" smtClean="0"/>
+              <a:t> este momento para hacer una breve recapitulación;</a:t>
+            </a:r>
+            <a:br>
+              <a:rPr lang="es" baseline="0" dirty="0" smtClean="0"/>
+            </a:br>
+            <a:r>
+              <a:rPr lang="es" baseline="0" dirty="0" smtClean="0"/>
+              <a:t>Nuestro objetivo es desarrollar un chatbot para el colectivo de refugiados, para poder proveer de un entorno de mayor información y optimizar la dedicacion por parte de los servicios de atención.</a:t>
+            </a:r>
+            <a:br>
+              <a:rPr lang="es" baseline="0" dirty="0" smtClean="0"/>
+            </a:br>
+            <a:r>
+              <a:rPr lang="es" baseline="0" dirty="0" smtClean="0"/>
+              <a:t>Como habéis visto, nuestro proyecto se ha desarrollado en dos fases, que han dado lugar a dos soluciones válidas por ellas mismas:</a:t>
+            </a:r>
+          </a:p>
+          <a:p>
+            <a:pPr marL="171450" lvl="0" indent="-171450" algn="l" rtl="0">
+              <a:spcBef>
+                <a:spcPts val="0"/>
+              </a:spcBef>
+              <a:spcAft>
+                <a:spcPts val="0"/>
+              </a:spcAft>
+              <a:buFontTx/>
+              <a:buChar char="-"/>
+            </a:pPr>
+            <a:r>
+              <a:rPr lang="es-ES" baseline="0" dirty="0" smtClean="0"/>
+              <a:t>E</a:t>
+            </a:r>
+            <a:r>
+              <a:rPr lang="es" baseline="0" dirty="0" smtClean="0"/>
+              <a:t>n el caso del modelo de Pregunta-Respuesta, conseguimos que el modelo respondiese de forma correcta a consultas relativas al colectivo de refugiados, recogidas en un contexto;</a:t>
+            </a:r>
+          </a:p>
+          <a:p>
+            <a:pPr marL="171450" lvl="0" indent="-171450" algn="l" rtl="0">
+              <a:spcBef>
+                <a:spcPts val="0"/>
+              </a:spcBef>
+              <a:spcAft>
+                <a:spcPts val="0"/>
+              </a:spcAft>
+              <a:buFontTx/>
+              <a:buChar char="-"/>
+            </a:pPr>
+            <a:r>
+              <a:rPr lang="es" baseline="0" dirty="0" smtClean="0"/>
+              <a:t>En el caso de Generación de texto, conseguimos que el modelo respondiese de forma consistente a preguntas de tipo general.</a:t>
+            </a:r>
+          </a:p>
+          <a:p>
+            <a:pPr marL="0" lvl="0" indent="0" algn="l" rtl="0">
+              <a:spcBef>
+                <a:spcPts val="0"/>
+              </a:spcBef>
+              <a:spcAft>
+                <a:spcPts val="0"/>
+              </a:spcAft>
+              <a:buFontTx/>
+              <a:buNone/>
+            </a:pPr>
+            <a:r>
+              <a:rPr lang="es" baseline="0" dirty="0" smtClean="0"/>
+              <a:t>Consideramos que las dos funcionalidades alcanzadas tienen interés de cara al desarrollo de la solución.</a:t>
+            </a:r>
+          </a:p>
+          <a:p>
+            <a:pPr marL="0" lvl="0" indent="0" algn="l" rtl="0">
+              <a:spcBef>
+                <a:spcPts val="0"/>
+              </a:spcBef>
+              <a:spcAft>
+                <a:spcPts val="0"/>
+              </a:spcAft>
+              <a:buNone/>
+            </a:pPr>
+            <a:endParaRPr dirty="0"/>
           </a:p>
         </p:txBody>
       </p:sp>
@@ -1356,13 +1440,70 @@
               <a:spcAft>
                 <a:spcPts val="0"/>
               </a:spcAft>
+              <a:buFontTx/>
               <a:buNone/>
             </a:pPr>
             <a:r>
-              <a:rPr lang="es"/>
-              <a:t>Jan</a:t>
+              <a:rPr lang="es" baseline="0" dirty="0" smtClean="0"/>
+              <a:t>En próximos pasos, podríamos optar por:</a:t>
             </a:r>
-            <a:endParaRPr/>
+          </a:p>
+          <a:p>
+            <a:pPr marL="171450" lvl="0" indent="-171450" algn="l" rtl="0">
+              <a:spcBef>
+                <a:spcPts val="0"/>
+              </a:spcBef>
+              <a:spcAft>
+                <a:spcPts val="0"/>
+              </a:spcAft>
+              <a:buFontTx/>
+              <a:buChar char="-"/>
+            </a:pPr>
+            <a:r>
+              <a:rPr lang="es" baseline="0" dirty="0" smtClean="0"/>
+              <a:t>Seguir trabajando en el fine-tuning de un modelo de generación de texto,</a:t>
+            </a:r>
+          </a:p>
+          <a:p>
+            <a:pPr marL="171450" lvl="0" indent="-171450" algn="l" rtl="0">
+              <a:spcBef>
+                <a:spcPts val="0"/>
+              </a:spcBef>
+              <a:spcAft>
+                <a:spcPts val="0"/>
+              </a:spcAft>
+              <a:buFontTx/>
+              <a:buChar char="-"/>
+            </a:pPr>
+            <a:r>
+              <a:rPr lang="es" baseline="0" dirty="0" smtClean="0"/>
+              <a:t>Buscar algún otro tipo de modelo indepenientemente de su disponibilidad en idioma, y tras ello aplicar traducción. En este caso podríamos optar por un modelo Conversacional, por ejemplo.</a:t>
+            </a:r>
+          </a:p>
+          <a:p>
+            <a:pPr marL="171450" lvl="0" indent="-171450" algn="l" rtl="0">
+              <a:spcBef>
+                <a:spcPts val="0"/>
+              </a:spcBef>
+              <a:spcAft>
+                <a:spcPts val="0"/>
+              </a:spcAft>
+              <a:buFontTx/>
+              <a:buChar char="-"/>
+            </a:pPr>
+            <a:r>
+              <a:rPr lang="es" baseline="0" dirty="0" smtClean="0"/>
+              <a:t>O bien podríamos trabajar en implementar una solución que incluyese los dos modelos que hemos trabajado. Por ejemplo, empezaríamos aplicando un modelo de clasificación, que permitiese identificar cuando el input del chat se refiere a consultas generales o bien a consultas específicas p</a:t>
+            </a:r>
+            <a:r>
+              <a:rPr lang="es-ES" baseline="0" dirty="0" smtClean="0"/>
+              <a:t>a</a:t>
+            </a:r>
+            <a:r>
+              <a:rPr lang="es" baseline="0" dirty="0" smtClean="0"/>
+              <a:t>ra el colectivo; y según esta clasificación, aplicar un modelo óptimo para cada funcionalidad (como podrían ser Generación de texto para preguntas generales, o bien Pregunta-Respuesta para preguntas específicas).</a:t>
+            </a:r>
+            <a:endParaRPr dirty="0"/>
           </a:p>
         </p:txBody>
       </p:sp>
@@ -1471,10 +1612,95 @@
               <a:buNone/>
             </a:pPr>
             <a:r>
-              <a:rPr lang="es"/>
-              <a:t>Jan</a:t>
+              <a:rPr lang="es" dirty="0" smtClean="0"/>
+              <a:t>Pasemos</a:t>
             </a:r>
-            <a:endParaRPr/>
+            <a:r>
+              <a:rPr lang="es" baseline="0" dirty="0" smtClean="0"/>
+              <a:t> ahora a ver algunas consideraciones finales.</a:t>
+            </a:r>
+            <a:endParaRPr lang="es" baseline="0" dirty="0"/>
+          </a:p>
+          <a:p>
+            <a:pPr marL="0" lvl="0" indent="0" algn="l" rtl="0">
+              <a:spcBef>
+                <a:spcPts val="0"/>
+              </a:spcBef>
+              <a:spcAft>
+                <a:spcPts val="0"/>
+              </a:spcAft>
+              <a:buNone/>
+            </a:pPr>
+            <a:endParaRPr lang="es" baseline="0" dirty="0" smtClean="0"/>
+          </a:p>
+          <a:p>
+            <a:pPr marL="0" lvl="0" indent="0" algn="l" rtl="0">
+              <a:spcBef>
+                <a:spcPts val="0"/>
+              </a:spcBef>
+              <a:spcAft>
+                <a:spcPts val="0"/>
+              </a:spcAft>
+              <a:buNone/>
+            </a:pPr>
+            <a:r>
+              <a:rPr lang="es" baseline="0" dirty="0" smtClean="0"/>
+              <a:t>Nos gustaría empezar por un aspecto que nos pareció muy interesante: la filosofía de HuggingFace. Una plataforma donde se comparten los avances para los modelos de NLP, y a la vez se puede acceder a cursos e incluso la filosofía: ¿para qué entrenar de nuevo un modelo, y consumir más recursos, si los recursos en el planeta son limitados…?</a:t>
+            </a:r>
+          </a:p>
+          <a:p>
+            <a:pPr marL="0" lvl="0" indent="0" algn="l" rtl="0">
+              <a:spcBef>
+                <a:spcPts val="0"/>
+              </a:spcBef>
+              <a:spcAft>
+                <a:spcPts val="0"/>
+              </a:spcAft>
+              <a:buNone/>
+            </a:pPr>
+            <a:endParaRPr lang="es" baseline="0" dirty="0" smtClean="0"/>
+          </a:p>
+          <a:p>
+            <a:pPr marL="0" lvl="0" indent="0" algn="l" rtl="0">
+              <a:spcBef>
+                <a:spcPts val="0"/>
+              </a:spcBef>
+              <a:spcAft>
+                <a:spcPts val="0"/>
+              </a:spcAft>
+              <a:buNone/>
+            </a:pPr>
+            <a:r>
+              <a:rPr lang="es" baseline="0" dirty="0" smtClean="0"/>
+              <a:t>De acuerdo, ahora nos gustaría enfocarnos en algo un poco más práctico. Cuando participamos en la fase de code-to-learn de este mismo curso, vimos que la mayor parte del tiempo de un científico de datos se invertía en la limpieza y pre-procesado de los datos. Y en nuestro caso, nos ha sorprendido porque efectivamente hemos invertido bastante tiempo en el ajuste de datos; pero no tanto en su limpieza, sino más bien en tratar de averiguar el formato de los datos de entrada para ajustar el entrenamiento del modelo preexistente con nuestros datos específicos, procedentes de preguntas y respuestas que habíamos generado partiendo de algunos artículos del Boletín Oficial del Estado.</a:t>
+            </a:r>
+          </a:p>
+          <a:p>
+            <a:pPr marL="0" lvl="0" indent="0" algn="l" rtl="0">
+              <a:spcBef>
+                <a:spcPts val="0"/>
+              </a:spcBef>
+              <a:spcAft>
+                <a:spcPts val="0"/>
+              </a:spcAft>
+              <a:buNone/>
+            </a:pPr>
+            <a:endParaRPr lang="es" baseline="0" dirty="0" smtClean="0"/>
+          </a:p>
+          <a:p>
+            <a:pPr marL="0" lvl="0" indent="0" algn="l" rtl="0">
+              <a:spcBef>
+                <a:spcPts val="0"/>
+              </a:spcBef>
+              <a:spcAft>
+                <a:spcPts val="0"/>
+              </a:spcAft>
+              <a:buNone/>
+            </a:pPr>
+            <a:r>
+              <a:rPr lang="es" baseline="0" dirty="0" smtClean="0"/>
+              <a:t>Y sí, también nos gustaría compartir algunas reflexiones que han surgido en el desarrollo del proyecto. En lo que refiere a los modelos de Generación de texto, que nos resultan tan y tan interesantes, hay algo que debe tenerse en cuenta. En primer lugar, nos parecen extraordinarios los avances que ha habido en NLP en el poco tiempo que hemos estado desarrollando este proyecto. En segundo lugar, hay que tener en cuenta que aunque estos modelos “generan” texto, previamente han sido entrenados con datos; por lo tanto, aunque en ocasiones parezcan (y respondan) de forma muy empática, también hay que seguir considerando que no están libres de sesgos y que por lo tanto queda recorrido por hacer. En muchos ámbitos y también en el ámbito de la Inteligencia Artificial.</a:t>
+            </a:r>
           </a:p>
         </p:txBody>
       </p:sp>
@@ -1619,7 +1845,30 @@
               </a:spcAft>
               <a:buNone/>
             </a:pPr>
-            <a:endParaRPr/>
+            <a:r>
+              <a:rPr lang="es-ES" dirty="0" smtClean="0"/>
+              <a:t>Volviendo al proyecto, a continuación</a:t>
+            </a:r>
+            <a:r>
+              <a:rPr lang="es-ES" baseline="0" dirty="0" smtClean="0"/>
+              <a:t> compartimos enlaces donde podréis encontrar mayor detalle del proyecto así como información de contacto.</a:t>
+            </a:r>
+          </a:p>
+          <a:p>
+            <a:pPr marL="0" lvl="0" indent="0" algn="l" rtl="0">
+              <a:spcBef>
+                <a:spcPts val="0"/>
+              </a:spcBef>
+              <a:spcAft>
+                <a:spcPts val="0"/>
+              </a:spcAft>
+              <a:buNone/>
+            </a:pPr>
+            <a:r>
+              <a:rPr lang="es-ES" baseline="0" dirty="0" smtClean="0"/>
+              <a:t>¡Muchas gracias por haber compartido estos minutos con nosotros!</a:t>
+            </a:r>
+            <a:endParaRPr dirty="0"/>
           </a:p>
         </p:txBody>
       </p:sp>
@@ -1632,118 +1881,6 @@
 </file>
 
 <file path=ppt/notesSlides/notesSlide17.xml><?xml version="1.0" encoding="utf-8"?>
-<p:notes xmlns:a="http://schemas.openxmlformats.org/drawingml/2006/main" xmlns:r="http://schemas.openxmlformats.org/officeDocument/2006/relationships" xmlns:p="http://schemas.openxmlformats.org/presentationml/2006/main" showMasterSp="0" showMasterPhAnim="0">
-  <p:cSld>
-    <p:spTree>
-      <p:nvGrpSpPr>
-        <p:cNvPr id="1" name="Shape 121"/>
-        <p:cNvGrpSpPr/>
-        <p:nvPr/>
-      </p:nvGrpSpPr>
-      <p:grpSpPr>
-        <a:xfrm>
-          <a:off x="0" y="0"/>
-          <a:ext cx="0" cy="0"/>
-          <a:chOff x="0" y="0"/>
-          <a:chExt cx="0" cy="0"/>
-        </a:xfrm>
-      </p:grpSpPr>
-      <p:sp>
-        <p:nvSpPr>
-          <p:cNvPr id="122" name="Google Shape;122;gd4685b1560_0_10:notes"/>
-          <p:cNvSpPr txBox="1">
-            <a:spLocks noGrp="1"/>
-          </p:cNvSpPr>
-          <p:nvPr>
-            <p:ph type="body" idx="1"/>
-          </p:nvPr>
-        </p:nvSpPr>
-        <p:spPr>
-          <a:xfrm>
-            <a:off x="685795" y="4343382"/>
-            <a:ext cx="5486400" cy="4114800"/>
-          </a:xfrm>
-          <a:prstGeom prst="rect">
-            <a:avLst/>
-          </a:prstGeom>
-          <a:noFill/>
-          <a:ln>
-            <a:noFill/>
-          </a:ln>
-        </p:spPr>
-        <p:txBody>
-          <a:bodyPr spcFirstLastPara="1" wrap="square" lIns="91425" tIns="91425" rIns="91425" bIns="91425" anchor="ctr" anchorCtr="0">
-            <a:noAutofit/>
-          </a:bodyPr>
-          <a:lstStyle/>
-          <a:p>
-            <a:pPr marL="0" lvl="0" indent="0" algn="l" rtl="0">
-              <a:spcBef>
-                <a:spcPts val="0"/>
-              </a:spcBef>
-              <a:spcAft>
-                <a:spcPts val="0"/>
-              </a:spcAft>
-              <a:buNone/>
-            </a:pPr>
-            <a:r>
-              <a:rPr lang="es"/>
-              <a:t>Jan</a:t>
-            </a:r>
-            <a:endParaRPr/>
-          </a:p>
-        </p:txBody>
-      </p:sp>
-      <p:sp>
-        <p:nvSpPr>
-          <p:cNvPr id="123" name="Google Shape;123;gd4685b1560_0_10:notes"/>
-          <p:cNvSpPr>
-            <a:spLocks noGrp="1" noRot="1" noChangeAspect="1"/>
-          </p:cNvSpPr>
-          <p:nvPr>
-            <p:ph type="sldImg" idx="2"/>
-          </p:nvPr>
-        </p:nvSpPr>
-        <p:spPr>
-          <a:xfrm>
-            <a:off x="382588" y="685800"/>
-            <a:ext cx="6094412" cy="3429000"/>
-          </a:xfrm>
-          <a:custGeom>
-            <a:avLst/>
-            <a:gdLst/>
-            <a:ahLst/>
-            <a:cxnLst/>
-            <a:rect l="l" t="t" r="r" b="b"/>
-            <a:pathLst>
-              <a:path w="120000" h="120000" extrusionOk="0">
-                <a:moveTo>
-                  <a:pt x="0" y="0"/>
-                </a:moveTo>
-                <a:lnTo>
-                  <a:pt x="120000" y="0"/>
-                </a:lnTo>
-                <a:lnTo>
-                  <a:pt x="120000" y="120000"/>
-                </a:lnTo>
-                <a:lnTo>
-                  <a:pt x="0" y="120000"/>
-                </a:lnTo>
-                <a:close/>
-              </a:path>
-            </a:pathLst>
-          </a:custGeom>
-        </p:spPr>
-      </p:sp>
-    </p:spTree>
-  </p:cSld>
-  <p:clrMapOvr>
-    <a:masterClrMapping/>
-  </p:clrMapOvr>
-</p:notes>
-</file>
-
-<file path=ppt/notesSlides/notesSlide18.xml><?xml version="1.0" encoding="utf-8"?>
 <p:notes xmlns:a="http://schemas.openxmlformats.org/drawingml/2006/main" xmlns:r="http://schemas.openxmlformats.org/officeDocument/2006/relationships" xmlns:p="http://schemas.openxmlformats.org/presentationml/2006/main" showMasterSp="0" showMasterPhAnim="0">
   <p:cSld>
     <p:spTree>
@@ -1798,11 +1935,7 @@
               </a:spcAft>
               <a:buNone/>
             </a:pPr>
-            <a:r>
-              <a:rPr lang="es"/>
-              <a:t>Jan</a:t>
-            </a:r>
-            <a:endParaRPr/>
+            <a:endParaRPr dirty="0"/>
           </a:p>
         </p:txBody>
       </p:sp>
@@ -13908,6 +14041,13 @@
   <p:clrMapOvr>
     <a:masterClrMapping/>
   </p:clrMapOvr>
+  <p:timing>
+    <p:tnLst>
+      <p:par>
+        <p:cTn id="1" dur="indefinite" restart="never" nodeType="tmRoot"/>
+      </p:par>
+    </p:tnLst>
+  </p:timing>
 </p:sld>
 </file>
 
@@ -13956,7 +14096,7 @@
           </a:ln>
         </p:spPr>
         <p:txBody>
-          <a:bodyPr spcFirstLastPara="1" wrap="square" lIns="17150" tIns="17150" rIns="17150" bIns="17150" anchor="t" anchorCtr="0">
+          <a:bodyPr spcFirstLastPara="1" wrap="square" lIns="17150" tIns="17150" rIns="17150" bIns="17150" anchor="ctr" anchorCtr="0">
             <a:noAutofit/>
           </a:bodyPr>
           <a:lstStyle/>
@@ -13988,7 +14128,67 @@
                 <a:cs typeface="Montserrat Medium"/>
                 <a:sym typeface="Montserrat Medium"/>
               </a:rPr>
-              <a:t>CONSIDERACIONES Y PROXIMOS PASOS</a:t>
+              <a:t>PROXIMOS PASOS</a:t>
+            </a:r>
+          </a:p>
+          <a:p>
+            <a:pPr marL="0" marR="0" lvl="0" indent="0" algn="ctr" rtl="0">
+              <a:lnSpc>
+                <a:spcPct val="100000"/>
+              </a:lnSpc>
+              <a:spcBef>
+                <a:spcPts val="0"/>
+              </a:spcBef>
+              <a:spcAft>
+                <a:spcPts val="0"/>
+              </a:spcAft>
+              <a:buClr>
+                <a:srgbClr val="FFFFFF"/>
+              </a:buClr>
+              <a:buSzPts val="2600"/>
+              <a:buFont typeface="Helvetica Neue"/>
+              <a:buNone/>
+            </a:pPr>
+            <a:r>
+              <a:rPr lang="es" sz="3000" dirty="0">
+                <a:solidFill>
+                  <a:schemeClr val="lt1"/>
+                </a:solidFill>
+                <a:latin typeface="Montserrat Medium"/>
+                <a:ea typeface="Montserrat Medium"/>
+                <a:cs typeface="Montserrat Medium"/>
+                <a:sym typeface="Montserrat Medium"/>
+              </a:rPr>
+              <a:t>Y</a:t>
+            </a:r>
+            <a:endParaRPr lang="es" sz="3000" dirty="0" smtClean="0">
+              <a:solidFill>
+                <a:schemeClr val="lt1"/>
+              </a:solidFill>
+              <a:latin typeface="Montserrat Medium"/>
+              <a:ea typeface="Montserrat Medium"/>
+              <a:cs typeface="Montserrat Medium"/>
+              <a:sym typeface="Montserrat Medium"/>
+            </a:endParaRPr>
+          </a:p>
+          <a:p>
+            <a:pPr lvl="0" algn="ctr">
+              <a:buClr>
+                <a:srgbClr val="FFFFFF"/>
+              </a:buClr>
+              <a:buSzPts val="2600"/>
+            </a:pPr>
+            <a:r>
+              <a:rPr lang="es" sz="3000" dirty="0">
+                <a:solidFill>
+                  <a:schemeClr val="lt1"/>
+                </a:solidFill>
+                <a:latin typeface="Montserrat Medium"/>
+                <a:ea typeface="Montserrat Medium"/>
+                <a:cs typeface="Montserrat Medium"/>
+                <a:sym typeface="Montserrat Medium"/>
+              </a:rPr>
+              <a:t>CONSIDERACIONES</a:t>
             </a:r>
             <a:endParaRPr sz="3000" dirty="0">
               <a:solidFill>
@@ -14040,6 +14240,13 @@
   <p:clrMapOvr>
     <a:masterClrMapping/>
   </p:clrMapOvr>
+  <p:timing>
+    <p:tnLst>
+      <p:par>
+        <p:cTn id="1" dur="indefinite" restart="never" nodeType="tmRoot"/>
+      </p:par>
+    </p:tnLst>
+  </p:timing>
 </p:sld>
 </file>
 
@@ -14118,7 +14325,7 @@
               <a:buSzPts val="2600"/>
             </a:pPr>
             <a:r>
-              <a:rPr lang="es-ES" sz="2400" dirty="0">
+              <a:rPr lang="es-ES" sz="2400" dirty="0" smtClean="0">
                 <a:solidFill>
                   <a:srgbClr val="00426E"/>
                 </a:solidFill>
@@ -14127,55 +14334,7 @@
                 <a:cs typeface="Lato Black"/>
                 <a:sym typeface="Lato Black"/>
               </a:rPr>
-              <a:t>A </a:t>
-            </a:r>
-            <a:r>
-              <a:rPr lang="es-ES" sz="2400" dirty="0" err="1">
-                <a:solidFill>
-                  <a:srgbClr val="00426E"/>
-                </a:solidFill>
-                <a:latin typeface="Lato Black"/>
-                <a:ea typeface="Lato Black"/>
-                <a:cs typeface="Lato Black"/>
-                <a:sym typeface="Lato Black"/>
-              </a:rPr>
-              <a:t>little</a:t>
-            </a:r>
-            <a:r>
-              <a:rPr lang="es-ES" sz="2400" dirty="0">
-                <a:solidFill>
-                  <a:srgbClr val="00426E"/>
-                </a:solidFill>
-                <a:latin typeface="Lato Black"/>
-                <a:ea typeface="Lato Black"/>
-                <a:cs typeface="Lato Black"/>
-                <a:sym typeface="Lato Black"/>
-              </a:rPr>
-              <a:t> </a:t>
-            </a:r>
-            <a:r>
-              <a:rPr lang="es-ES" sz="2400" dirty="0" err="1">
-                <a:solidFill>
-                  <a:srgbClr val="00426E"/>
-                </a:solidFill>
-                <a:latin typeface="Lato Black"/>
-                <a:ea typeface="Lato Black"/>
-                <a:cs typeface="Lato Black"/>
-                <a:sym typeface="Lato Black"/>
-              </a:rPr>
-              <a:t>context</a:t>
-            </a:r>
-            <a:r>
-              <a:rPr lang="es-ES" sz="2400" dirty="0">
-                <a:solidFill>
-                  <a:srgbClr val="00426E"/>
-                </a:solidFill>
-                <a:latin typeface="Lato Black"/>
-                <a:ea typeface="Lato Black"/>
-                <a:cs typeface="Lato Black"/>
-                <a:sym typeface="Lato Black"/>
-              </a:rPr>
-              <a:t>...</a:t>
+              <a:t>Próximos pasos</a:t>
             </a:r>
             <a:endParaRPr sz="2400" dirty="0">
               <a:solidFill>
@@ -14245,16 +14404,478 @@
           </a:ln>
         </p:spPr>
       </p:pic>
+      <p:pic>
+        <p:nvPicPr>
+          <p:cNvPr id="7" name="Picture 3"/>
+          <p:cNvPicPr>
+            <a:picLocks noChangeAspect="1" noChangeArrowheads="1"/>
+          </p:cNvPicPr>
+          <p:nvPr/>
+        </p:nvPicPr>
+        <p:blipFill>
+          <a:blip r:embed="rId4">
+            <a:extLst>
+              <a:ext uri="{28A0092B-C50C-407E-A947-70E740481C1C}">
+                <a14:useLocalDpi xmlns:a14="http://schemas.microsoft.com/office/drawing/2010/main" val="0"/>
+              </a:ext>
+            </a:extLst>
+          </a:blip>
+          <a:srcRect/>
+          <a:stretch>
+            <a:fillRect/>
+          </a:stretch>
+        </p:blipFill>
+        <p:spPr bwMode="auto">
+          <a:xfrm>
+            <a:off x="733425" y="3088179"/>
+            <a:ext cx="2397924" cy="80962"/>
+          </a:xfrm>
+          <a:prstGeom prst="rect">
+            <a:avLst/>
+          </a:prstGeom>
+          <a:noFill/>
+          <a:ln>
+            <a:noFill/>
+          </a:ln>
+          <a:extLst>
+            <a:ext uri="{909E8E84-426E-40DD-AFC4-6F175D3DCCD1}">
+              <a14:hiddenFill xmlns:a14="http://schemas.microsoft.com/office/drawing/2010/main">
+                <a:solidFill>
+                  <a:schemeClr val="accent1"/>
+                </a:solidFill>
+              </a14:hiddenFill>
+            </a:ext>
+            <a:ext uri="{91240B29-F687-4F45-9708-019B960494DF}">
+              <a14:hiddenLine xmlns:a14="http://schemas.microsoft.com/office/drawing/2010/main" w="9525">
+                <a:solidFill>
+                  <a:schemeClr val="tx1"/>
+                </a:solidFill>
+                <a:miter lim="800000"/>
+                <a:headEnd/>
+                <a:tailEnd/>
+              </a14:hiddenLine>
+            </a:ext>
+          </a:extLst>
+        </p:spPr>
+      </p:pic>
+      <p:pic>
+        <p:nvPicPr>
+          <p:cNvPr id="9" name="Picture 3"/>
+          <p:cNvPicPr>
+            <a:picLocks noChangeAspect="1" noChangeArrowheads="1"/>
+          </p:cNvPicPr>
+          <p:nvPr/>
+        </p:nvPicPr>
+        <p:blipFill>
+          <a:blip r:embed="rId4">
+            <a:extLst>
+              <a:ext uri="{28A0092B-C50C-407E-A947-70E740481C1C}">
+                <a14:useLocalDpi xmlns:a14="http://schemas.microsoft.com/office/drawing/2010/main" val="0"/>
+              </a:ext>
+            </a:extLst>
+          </a:blip>
+          <a:srcRect/>
+          <a:stretch>
+            <a:fillRect/>
+          </a:stretch>
+        </p:blipFill>
+        <p:spPr bwMode="auto">
+          <a:xfrm>
+            <a:off x="3218924" y="3088179"/>
+            <a:ext cx="2397924" cy="80962"/>
+          </a:xfrm>
+          <a:prstGeom prst="rect">
+            <a:avLst/>
+          </a:prstGeom>
+          <a:noFill/>
+          <a:ln>
+            <a:noFill/>
+          </a:ln>
+          <a:extLst>
+            <a:ext uri="{909E8E84-426E-40DD-AFC4-6F175D3DCCD1}">
+              <a14:hiddenFill xmlns:a14="http://schemas.microsoft.com/office/drawing/2010/main">
+                <a:solidFill>
+                  <a:schemeClr val="accent1"/>
+                </a:solidFill>
+              </a14:hiddenFill>
+            </a:ext>
+            <a:ext uri="{91240B29-F687-4F45-9708-019B960494DF}">
+              <a14:hiddenLine xmlns:a14="http://schemas.microsoft.com/office/drawing/2010/main" w="9525">
+                <a:solidFill>
+                  <a:schemeClr val="tx1"/>
+                </a:solidFill>
+                <a:miter lim="800000"/>
+                <a:headEnd/>
+                <a:tailEnd/>
+              </a14:hiddenLine>
+            </a:ext>
+          </a:extLst>
+        </p:spPr>
+      </p:pic>
+      <p:pic>
+        <p:nvPicPr>
+          <p:cNvPr id="10" name="Picture 3"/>
+          <p:cNvPicPr>
+            <a:picLocks noChangeAspect="1" noChangeArrowheads="1"/>
+          </p:cNvPicPr>
+          <p:nvPr/>
+        </p:nvPicPr>
+        <p:blipFill>
+          <a:blip r:embed="rId4">
+            <a:extLst>
+              <a:ext uri="{28A0092B-C50C-407E-A947-70E740481C1C}">
+                <a14:useLocalDpi xmlns:a14="http://schemas.microsoft.com/office/drawing/2010/main" val="0"/>
+              </a:ext>
+            </a:extLst>
+          </a:blip>
+          <a:srcRect/>
+          <a:stretch>
+            <a:fillRect/>
+          </a:stretch>
+        </p:blipFill>
+        <p:spPr bwMode="auto">
+          <a:xfrm>
+            <a:off x="5685899" y="3088179"/>
+            <a:ext cx="2397924" cy="80962"/>
+          </a:xfrm>
+          <a:prstGeom prst="rect">
+            <a:avLst/>
+          </a:prstGeom>
+          <a:noFill/>
+          <a:ln>
+            <a:noFill/>
+          </a:ln>
+          <a:extLst>
+            <a:ext uri="{909E8E84-426E-40DD-AFC4-6F175D3DCCD1}">
+              <a14:hiddenFill xmlns:a14="http://schemas.microsoft.com/office/drawing/2010/main">
+                <a:solidFill>
+                  <a:schemeClr val="accent1"/>
+                </a:solidFill>
+              </a14:hiddenFill>
+            </a:ext>
+            <a:ext uri="{91240B29-F687-4F45-9708-019B960494DF}">
+              <a14:hiddenLine xmlns:a14="http://schemas.microsoft.com/office/drawing/2010/main" w="9525">
+                <a:solidFill>
+                  <a:schemeClr val="tx1"/>
+                </a:solidFill>
+                <a:miter lim="800000"/>
+                <a:headEnd/>
+                <a:tailEnd/>
+              </a14:hiddenLine>
+            </a:ext>
+          </a:extLst>
+        </p:spPr>
+      </p:pic>
+      <p:sp>
+        <p:nvSpPr>
+          <p:cNvPr id="11" name="10 CuadroTexto"/>
+          <p:cNvSpPr txBox="1"/>
+          <p:nvPr/>
+        </p:nvSpPr>
+        <p:spPr>
+          <a:xfrm>
+            <a:off x="733425" y="3185507"/>
+            <a:ext cx="2397924" cy="523220"/>
+          </a:xfrm>
+          <a:prstGeom prst="rect">
+            <a:avLst/>
+          </a:prstGeom>
+          <a:noFill/>
+        </p:spPr>
+        <p:txBody>
+          <a:bodyPr wrap="square" rtlCol="0">
+            <a:spAutoFit/>
+          </a:bodyPr>
+          <a:lstStyle/>
+          <a:p>
+            <a:pPr algn="ctr"/>
+            <a:r>
+              <a:rPr lang="es-ES" dirty="0" smtClean="0"/>
+              <a:t>Generación de Texto:</a:t>
+            </a:r>
+          </a:p>
+          <a:p>
+            <a:pPr algn="ctr"/>
+            <a:r>
+              <a:rPr lang="es-ES" dirty="0" smtClean="0"/>
+              <a:t>Fine-</a:t>
+            </a:r>
+            <a:r>
+              <a:rPr lang="es-ES" dirty="0" err="1" smtClean="0"/>
+              <a:t>Tuning</a:t>
+            </a:r>
+            <a:endParaRPr lang="es-ES" dirty="0"/>
+          </a:p>
+        </p:txBody>
+      </p:sp>
+      <p:sp>
+        <p:nvSpPr>
+          <p:cNvPr id="12" name="11 CuadroTexto"/>
+          <p:cNvSpPr txBox="1"/>
+          <p:nvPr/>
+        </p:nvSpPr>
+        <p:spPr>
+          <a:xfrm>
+            <a:off x="5685899" y="3185507"/>
+            <a:ext cx="2397924" cy="738664"/>
+          </a:xfrm>
+          <a:prstGeom prst="rect">
+            <a:avLst/>
+          </a:prstGeom>
+          <a:noFill/>
+        </p:spPr>
+        <p:txBody>
+          <a:bodyPr wrap="square" rtlCol="0">
+            <a:spAutoFit/>
+          </a:bodyPr>
+          <a:lstStyle/>
+          <a:p>
+            <a:pPr algn="ctr"/>
+            <a:r>
+              <a:rPr lang="es-ES" dirty="0" smtClean="0"/>
+              <a:t>Enfoque mixto:</a:t>
+            </a:r>
+          </a:p>
+          <a:p>
+            <a:pPr marL="285750" indent="-285750" algn="ctr">
+              <a:buFontTx/>
+              <a:buChar char="-"/>
+            </a:pPr>
+            <a:r>
+              <a:rPr lang="es-ES" dirty="0" smtClean="0"/>
+              <a:t>Inputs generales</a:t>
+            </a:r>
+          </a:p>
+          <a:p>
+            <a:pPr marL="285750" indent="-285750" algn="ctr">
+              <a:buFontTx/>
+              <a:buChar char="-"/>
+            </a:pPr>
+            <a:r>
+              <a:rPr lang="es-ES" dirty="0" smtClean="0"/>
+              <a:t>Inputs específicos</a:t>
+            </a:r>
+            <a:endParaRPr lang="es-ES" dirty="0"/>
+          </a:p>
+        </p:txBody>
+      </p:sp>
+      <p:sp>
+        <p:nvSpPr>
+          <p:cNvPr id="13" name="12 CuadroTexto"/>
+          <p:cNvSpPr txBox="1"/>
+          <p:nvPr/>
+        </p:nvSpPr>
+        <p:spPr>
+          <a:xfrm>
+            <a:off x="3218924" y="3185507"/>
+            <a:ext cx="2397924" cy="523220"/>
+          </a:xfrm>
+          <a:prstGeom prst="rect">
+            <a:avLst/>
+          </a:prstGeom>
+          <a:noFill/>
+        </p:spPr>
+        <p:txBody>
+          <a:bodyPr wrap="square" rtlCol="0">
+            <a:spAutoFit/>
+          </a:bodyPr>
+          <a:lstStyle/>
+          <a:p>
+            <a:pPr algn="ctr"/>
+            <a:r>
+              <a:rPr lang="es-ES" dirty="0" smtClean="0"/>
+              <a:t>Otros modelos:</a:t>
+            </a:r>
+          </a:p>
+          <a:p>
+            <a:pPr algn="ctr"/>
+            <a:r>
+              <a:rPr lang="es-ES" dirty="0" smtClean="0"/>
+              <a:t>Traducción</a:t>
+            </a:r>
+            <a:endParaRPr lang="es-ES" dirty="0"/>
+          </a:p>
+        </p:txBody>
+      </p:sp>
+      <p:pic>
+        <p:nvPicPr>
+          <p:cNvPr id="14" name="Picture 2"/>
+          <p:cNvPicPr>
+            <a:picLocks noChangeAspect="1" noChangeArrowheads="1"/>
+          </p:cNvPicPr>
+          <p:nvPr/>
+        </p:nvPicPr>
+        <p:blipFill>
+          <a:blip r:embed="rId5">
+            <a:extLst>
+              <a:ext uri="{28A0092B-C50C-407E-A947-70E740481C1C}">
+                <a14:useLocalDpi xmlns:a14="http://schemas.microsoft.com/office/drawing/2010/main" val="0"/>
+              </a:ext>
+            </a:extLst>
+          </a:blip>
+          <a:srcRect/>
+          <a:stretch>
+            <a:fillRect/>
+          </a:stretch>
+        </p:blipFill>
+        <p:spPr bwMode="auto">
+          <a:xfrm>
+            <a:off x="1127593" y="1557382"/>
+            <a:ext cx="1609588" cy="1530797"/>
+          </a:xfrm>
+          <a:prstGeom prst="rect">
+            <a:avLst/>
+          </a:prstGeom>
+          <a:noFill/>
+          <a:ln>
+            <a:noFill/>
+          </a:ln>
+          <a:extLst>
+            <a:ext uri="{909E8E84-426E-40DD-AFC4-6F175D3DCCD1}">
+              <a14:hiddenFill xmlns:a14="http://schemas.microsoft.com/office/drawing/2010/main">
+                <a:solidFill>
+                  <a:schemeClr val="accent1"/>
+                </a:solidFill>
+              </a14:hiddenFill>
+            </a:ext>
+            <a:ext uri="{91240B29-F687-4F45-9708-019B960494DF}">
+              <a14:hiddenLine xmlns:a14="http://schemas.microsoft.com/office/drawing/2010/main" w="9525">
+                <a:solidFill>
+                  <a:schemeClr val="tx1"/>
+                </a:solidFill>
+                <a:miter lim="800000"/>
+                <a:headEnd/>
+                <a:tailEnd/>
+              </a14:hiddenLine>
+            </a:ext>
+          </a:extLst>
+        </p:spPr>
+      </p:pic>
+      <p:pic>
+        <p:nvPicPr>
+          <p:cNvPr id="15" name="Picture 2"/>
+          <p:cNvPicPr>
+            <a:picLocks noChangeAspect="1" noChangeArrowheads="1"/>
+          </p:cNvPicPr>
+          <p:nvPr/>
+        </p:nvPicPr>
+        <p:blipFill>
+          <a:blip r:embed="rId5">
+            <a:extLst>
+              <a:ext uri="{28A0092B-C50C-407E-A947-70E740481C1C}">
+                <a14:useLocalDpi xmlns:a14="http://schemas.microsoft.com/office/drawing/2010/main" val="0"/>
+              </a:ext>
+            </a:extLst>
+          </a:blip>
+          <a:srcRect/>
+          <a:stretch>
+            <a:fillRect/>
+          </a:stretch>
+        </p:blipFill>
+        <p:spPr bwMode="auto">
+          <a:xfrm>
+            <a:off x="3613092" y="1557381"/>
+            <a:ext cx="1609588" cy="1530797"/>
+          </a:xfrm>
+          <a:prstGeom prst="rect">
+            <a:avLst/>
+          </a:prstGeom>
+          <a:noFill/>
+          <a:ln>
+            <a:noFill/>
+          </a:ln>
+          <a:extLst>
+            <a:ext uri="{909E8E84-426E-40DD-AFC4-6F175D3DCCD1}">
+              <a14:hiddenFill xmlns:a14="http://schemas.microsoft.com/office/drawing/2010/main">
+                <a:solidFill>
+                  <a:schemeClr val="accent1"/>
+                </a:solidFill>
+              </a14:hiddenFill>
+            </a:ext>
+            <a:ext uri="{91240B29-F687-4F45-9708-019B960494DF}">
+              <a14:hiddenLine xmlns:a14="http://schemas.microsoft.com/office/drawing/2010/main" w="9525">
+                <a:solidFill>
+                  <a:schemeClr val="tx1"/>
+                </a:solidFill>
+                <a:miter lim="800000"/>
+                <a:headEnd/>
+                <a:tailEnd/>
+              </a14:hiddenLine>
+            </a:ext>
+          </a:extLst>
+        </p:spPr>
+      </p:pic>
+      <p:pic>
+        <p:nvPicPr>
+          <p:cNvPr id="16" name="Picture 2"/>
+          <p:cNvPicPr>
+            <a:picLocks noChangeAspect="1" noChangeArrowheads="1"/>
+          </p:cNvPicPr>
+          <p:nvPr/>
+        </p:nvPicPr>
+        <p:blipFill>
+          <a:blip r:embed="rId5">
+            <a:extLst>
+              <a:ext uri="{28A0092B-C50C-407E-A947-70E740481C1C}">
+                <a14:useLocalDpi xmlns:a14="http://schemas.microsoft.com/office/drawing/2010/main" val="0"/>
+              </a:ext>
+            </a:extLst>
+          </a:blip>
+          <a:srcRect/>
+          <a:stretch>
+            <a:fillRect/>
+          </a:stretch>
+        </p:blipFill>
+        <p:spPr bwMode="auto">
+          <a:xfrm>
+            <a:off x="6080067" y="1557380"/>
+            <a:ext cx="1609588" cy="1530797"/>
+          </a:xfrm>
+          <a:prstGeom prst="rect">
+            <a:avLst/>
+          </a:prstGeom>
+          <a:noFill/>
+          <a:ln>
+            <a:noFill/>
+          </a:ln>
+          <a:extLst>
+            <a:ext uri="{909E8E84-426E-40DD-AFC4-6F175D3DCCD1}">
+              <a14:hiddenFill xmlns:a14="http://schemas.microsoft.com/office/drawing/2010/main">
+                <a:solidFill>
+                  <a:schemeClr val="accent1"/>
+                </a:solidFill>
+              </a14:hiddenFill>
+            </a:ext>
+            <a:ext uri="{91240B29-F687-4F45-9708-019B960494DF}">
+              <a14:hiddenLine xmlns:a14="http://schemas.microsoft.com/office/drawing/2010/main" w="9525">
+                <a:solidFill>
+                  <a:schemeClr val="tx1"/>
+                </a:solidFill>
+                <a:miter lim="800000"/>
+                <a:headEnd/>
+                <a:tailEnd/>
+              </a14:hiddenLine>
+            </a:ext>
+          </a:extLst>
+        </p:spPr>
+      </p:pic>
     </p:spTree>
     <p:extLst>
       <p:ext uri="{BB962C8B-B14F-4D97-AF65-F5344CB8AC3E}">
-        <p14:creationId xmlns:p14="http://schemas.microsoft.com/office/powerpoint/2010/main" val="795217904"/>
+        <p14:creationId xmlns:p14="http://schemas.microsoft.com/office/powerpoint/2010/main" val="1280356724"/>
       </p:ext>
     </p:extLst>
   </p:cSld>
   <p:clrMapOvr>
     <a:masterClrMapping/>
   </p:clrMapOvr>
+  <p:timing>
+    <p:tnLst>
+      <p:par>
+        <p:cTn id="1" dur="indefinite" restart="never" nodeType="tmRoot"/>
+      </p:par>
+    </p:tnLst>
+  </p:timing>
 </p:sld>
 </file>
 
@@ -14333,7 +14954,7 @@
               <a:buSzPts val="2600"/>
             </a:pPr>
             <a:r>
-              <a:rPr lang="es-ES" sz="2400" dirty="0">
+              <a:rPr lang="es-ES" sz="2400" dirty="0" smtClean="0">
                 <a:solidFill>
                   <a:srgbClr val="00426E"/>
                 </a:solidFill>
@@ -14342,84 +14963,8 @@
                 <a:cs typeface="Lato Black"/>
                 <a:sym typeface="Lato Black"/>
               </a:rPr>
-              <a:t>A </a:t>
+              <a:t>Consideraciones</a:t>
             </a:r>
-            <a:r>
-              <a:rPr lang="es-ES" sz="2400" dirty="0" err="1">
-                <a:solidFill>
-                  <a:srgbClr val="00426E"/>
-                </a:solidFill>
-                <a:latin typeface="Lato Black"/>
-                <a:ea typeface="Lato Black"/>
-                <a:cs typeface="Lato Black"/>
-                <a:sym typeface="Lato Black"/>
-              </a:rPr>
-              <a:t>little</a:t>
-            </a:r>
-            <a:r>
-              <a:rPr lang="es-ES" sz="2400" dirty="0">
-                <a:solidFill>
-                  <a:srgbClr val="00426E"/>
-                </a:solidFill>
-                <a:latin typeface="Lato Black"/>
-                <a:ea typeface="Lato Black"/>
-                <a:cs typeface="Lato Black"/>
-                <a:sym typeface="Lato Black"/>
-              </a:rPr>
-              <a:t> </a:t>
-            </a:r>
-            <a:r>
-              <a:rPr lang="es-ES" sz="2400" dirty="0" err="1">
-                <a:solidFill>
-                  <a:srgbClr val="00426E"/>
-                </a:solidFill>
-                <a:latin typeface="Lato Black"/>
-                <a:ea typeface="Lato Black"/>
-                <a:cs typeface="Lato Black"/>
-                <a:sym typeface="Lato Black"/>
-              </a:rPr>
-              <a:t>context</a:t>
-            </a:r>
-            <a:r>
-              <a:rPr lang="es-ES" sz="2400" dirty="0">
-                <a:solidFill>
-                  <a:srgbClr val="00426E"/>
-                </a:solidFill>
-                <a:latin typeface="Lato Black"/>
-                <a:ea typeface="Lato Black"/>
-                <a:cs typeface="Lato Black"/>
-                <a:sym typeface="Lato Black"/>
-              </a:rPr>
-              <a:t>...</a:t>
-            </a:r>
-            <a:endParaRPr sz="2400" dirty="0">
-              <a:solidFill>
-                <a:srgbClr val="00426E"/>
-              </a:solidFill>
-              <a:latin typeface="Lato Black"/>
-              <a:ea typeface="Lato Black"/>
-              <a:cs typeface="Lato Black"/>
-              <a:sym typeface="Lato Black"/>
-            </a:endParaRPr>
-          </a:p>
-          <a:p>
-            <a:pPr marL="0" marR="0" lvl="0" indent="0" algn="l" rtl="0">
-              <a:lnSpc>
-                <a:spcPct val="100000"/>
-              </a:lnSpc>
-              <a:spcBef>
-                <a:spcPts val="0"/>
-              </a:spcBef>
-              <a:spcAft>
-                <a:spcPts val="0"/>
-              </a:spcAft>
-              <a:buClr>
-                <a:srgbClr val="FFFFFF"/>
-              </a:buClr>
-              <a:buSzPts val="2600"/>
-              <a:buFont typeface="Helvetica Neue"/>
-              <a:buNone/>
-            </a:pPr>
             <a:endParaRPr sz="2400" dirty="0">
               <a:solidFill>
                 <a:srgbClr val="00426E"/>
@@ -14460,16 +15005,477 @@
           </a:ln>
         </p:spPr>
       </p:pic>
+      <p:pic>
+        <p:nvPicPr>
+          <p:cNvPr id="1026" name="Picture 2"/>
+          <p:cNvPicPr>
+            <a:picLocks noChangeAspect="1" noChangeArrowheads="1"/>
+          </p:cNvPicPr>
+          <p:nvPr/>
+        </p:nvPicPr>
+        <p:blipFill>
+          <a:blip r:embed="rId4">
+            <a:extLst>
+              <a:ext uri="{28A0092B-C50C-407E-A947-70E740481C1C}">
+                <a14:useLocalDpi xmlns:a14="http://schemas.microsoft.com/office/drawing/2010/main" val="0"/>
+              </a:ext>
+            </a:extLst>
+          </a:blip>
+          <a:srcRect/>
+          <a:stretch>
+            <a:fillRect/>
+          </a:stretch>
+        </p:blipFill>
+        <p:spPr bwMode="auto">
+          <a:xfrm>
+            <a:off x="2310098" y="1118584"/>
+            <a:ext cx="821251" cy="781050"/>
+          </a:xfrm>
+          <a:prstGeom prst="rect">
+            <a:avLst/>
+          </a:prstGeom>
+          <a:noFill/>
+          <a:ln>
+            <a:noFill/>
+          </a:ln>
+          <a:extLst>
+            <a:ext uri="{909E8E84-426E-40DD-AFC4-6F175D3DCCD1}">
+              <a14:hiddenFill xmlns:a14="http://schemas.microsoft.com/office/drawing/2010/main">
+                <a:solidFill>
+                  <a:schemeClr val="accent1"/>
+                </a:solidFill>
+              </a14:hiddenFill>
+            </a:ext>
+            <a:ext uri="{91240B29-F687-4F45-9708-019B960494DF}">
+              <a14:hiddenLine xmlns:a14="http://schemas.microsoft.com/office/drawing/2010/main" w="9525">
+                <a:solidFill>
+                  <a:schemeClr val="tx1"/>
+                </a:solidFill>
+                <a:miter lim="800000"/>
+                <a:headEnd/>
+                <a:tailEnd/>
+              </a14:hiddenLine>
+            </a:ext>
+          </a:extLst>
+        </p:spPr>
+      </p:pic>
+      <p:sp>
+        <p:nvSpPr>
+          <p:cNvPr id="2" name="1 CuadroTexto"/>
+          <p:cNvSpPr txBox="1"/>
+          <p:nvPr/>
+        </p:nvSpPr>
+        <p:spPr>
+          <a:xfrm>
+            <a:off x="1834349" y="2026732"/>
+            <a:ext cx="1776448" cy="307777"/>
+          </a:xfrm>
+          <a:prstGeom prst="rect">
+            <a:avLst/>
+          </a:prstGeom>
+          <a:noFill/>
+        </p:spPr>
+        <p:txBody>
+          <a:bodyPr wrap="none" rtlCol="0">
+            <a:spAutoFit/>
+          </a:bodyPr>
+          <a:lstStyle/>
+          <a:p>
+            <a:r>
+              <a:rPr lang="es-ES" dirty="0" smtClean="0"/>
+              <a:t>Sobre </a:t>
+            </a:r>
+            <a:r>
+              <a:rPr lang="es-ES" dirty="0" err="1" smtClean="0"/>
+              <a:t>HuggingFace</a:t>
+            </a:r>
+            <a:endParaRPr lang="es-ES" dirty="0"/>
+          </a:p>
+        </p:txBody>
+      </p:sp>
+      <p:pic>
+        <p:nvPicPr>
+          <p:cNvPr id="1027" name="Picture 3"/>
+          <p:cNvPicPr>
+            <a:picLocks noChangeAspect="1" noChangeArrowheads="1"/>
+          </p:cNvPicPr>
+          <p:nvPr/>
+        </p:nvPicPr>
+        <p:blipFill>
+          <a:blip r:embed="rId5">
+            <a:extLst>
+              <a:ext uri="{28A0092B-C50C-407E-A947-70E740481C1C}">
+                <a14:useLocalDpi xmlns:a14="http://schemas.microsoft.com/office/drawing/2010/main" val="0"/>
+              </a:ext>
+            </a:extLst>
+          </a:blip>
+          <a:srcRect/>
+          <a:stretch>
+            <a:fillRect/>
+          </a:stretch>
+        </p:blipFill>
+        <p:spPr bwMode="auto">
+          <a:xfrm>
+            <a:off x="2017723" y="1945770"/>
+            <a:ext cx="1409700" cy="80962"/>
+          </a:xfrm>
+          <a:prstGeom prst="rect">
+            <a:avLst/>
+          </a:prstGeom>
+          <a:noFill/>
+          <a:ln>
+            <a:noFill/>
+          </a:ln>
+          <a:extLst>
+            <a:ext uri="{909E8E84-426E-40DD-AFC4-6F175D3DCCD1}">
+              <a14:hiddenFill xmlns:a14="http://schemas.microsoft.com/office/drawing/2010/main">
+                <a:solidFill>
+                  <a:schemeClr val="accent1"/>
+                </a:solidFill>
+              </a14:hiddenFill>
+            </a:ext>
+            <a:ext uri="{91240B29-F687-4F45-9708-019B960494DF}">
+              <a14:hiddenLine xmlns:a14="http://schemas.microsoft.com/office/drawing/2010/main" w="9525">
+                <a:solidFill>
+                  <a:schemeClr val="tx1"/>
+                </a:solidFill>
+                <a:miter lim="800000"/>
+                <a:headEnd/>
+                <a:tailEnd/>
+              </a14:hiddenLine>
+            </a:ext>
+          </a:extLst>
+        </p:spPr>
+      </p:pic>
+      <p:pic>
+        <p:nvPicPr>
+          <p:cNvPr id="8" name="Picture 2"/>
+          <p:cNvPicPr>
+            <a:picLocks noChangeAspect="1" noChangeArrowheads="1"/>
+          </p:cNvPicPr>
+          <p:nvPr/>
+        </p:nvPicPr>
+        <p:blipFill>
+          <a:blip r:embed="rId4">
+            <a:extLst>
+              <a:ext uri="{28A0092B-C50C-407E-A947-70E740481C1C}">
+                <a14:useLocalDpi xmlns:a14="http://schemas.microsoft.com/office/drawing/2010/main" val="0"/>
+              </a:ext>
+            </a:extLst>
+          </a:blip>
+          <a:srcRect/>
+          <a:stretch>
+            <a:fillRect/>
+          </a:stretch>
+        </p:blipFill>
+        <p:spPr bwMode="auto">
+          <a:xfrm>
+            <a:off x="5430644" y="1413268"/>
+            <a:ext cx="821251" cy="781050"/>
+          </a:xfrm>
+          <a:prstGeom prst="rect">
+            <a:avLst/>
+          </a:prstGeom>
+          <a:noFill/>
+          <a:ln>
+            <a:noFill/>
+          </a:ln>
+          <a:extLst>
+            <a:ext uri="{909E8E84-426E-40DD-AFC4-6F175D3DCCD1}">
+              <a14:hiddenFill xmlns:a14="http://schemas.microsoft.com/office/drawing/2010/main">
+                <a:solidFill>
+                  <a:schemeClr val="accent1"/>
+                </a:solidFill>
+              </a14:hiddenFill>
+            </a:ext>
+            <a:ext uri="{91240B29-F687-4F45-9708-019B960494DF}">
+              <a14:hiddenLine xmlns:a14="http://schemas.microsoft.com/office/drawing/2010/main" w="9525">
+                <a:solidFill>
+                  <a:schemeClr val="tx1"/>
+                </a:solidFill>
+                <a:miter lim="800000"/>
+                <a:headEnd/>
+                <a:tailEnd/>
+              </a14:hiddenLine>
+            </a:ext>
+          </a:extLst>
+        </p:spPr>
+      </p:pic>
+      <p:sp>
+        <p:nvSpPr>
+          <p:cNvPr id="9" name="8 CuadroTexto"/>
+          <p:cNvSpPr txBox="1"/>
+          <p:nvPr/>
+        </p:nvSpPr>
+        <p:spPr>
+          <a:xfrm>
+            <a:off x="4266961" y="2321416"/>
+            <a:ext cx="3148619" cy="738664"/>
+          </a:xfrm>
+          <a:prstGeom prst="rect">
+            <a:avLst/>
+          </a:prstGeom>
+          <a:noFill/>
+        </p:spPr>
+        <p:txBody>
+          <a:bodyPr wrap="none" rtlCol="0">
+            <a:spAutoFit/>
+          </a:bodyPr>
+          <a:lstStyle/>
+          <a:p>
+            <a:pPr algn="ctr"/>
+            <a:r>
+              <a:rPr lang="es-ES" dirty="0" smtClean="0"/>
+              <a:t>Fine-</a:t>
+            </a:r>
+            <a:r>
+              <a:rPr lang="es-ES" dirty="0" err="1" smtClean="0"/>
+              <a:t>tuning</a:t>
+            </a:r>
+            <a:endParaRPr lang="es-ES" dirty="0" smtClean="0"/>
+          </a:p>
+          <a:p>
+            <a:pPr algn="ctr"/>
+            <a:r>
+              <a:rPr lang="es-ES" dirty="0" smtClean="0"/>
+              <a:t>El tamaño importa…</a:t>
+            </a:r>
+          </a:p>
+          <a:p>
+            <a:pPr algn="ctr"/>
+            <a:r>
+              <a:rPr lang="es-ES" dirty="0" smtClean="0"/>
+              <a:t>Y la forma de los datos </a:t>
+            </a:r>
+            <a:r>
+              <a:rPr lang="es-ES" dirty="0" err="1" smtClean="0"/>
+              <a:t>train</a:t>
+            </a:r>
+            <a:r>
+              <a:rPr lang="es-ES" dirty="0" smtClean="0"/>
+              <a:t> también.</a:t>
+            </a:r>
+            <a:endParaRPr lang="es-ES" dirty="0"/>
+          </a:p>
+        </p:txBody>
+      </p:sp>
+      <p:pic>
+        <p:nvPicPr>
+          <p:cNvPr id="10" name="Picture 3"/>
+          <p:cNvPicPr>
+            <a:picLocks noChangeAspect="1" noChangeArrowheads="1"/>
+          </p:cNvPicPr>
+          <p:nvPr/>
+        </p:nvPicPr>
+        <p:blipFill>
+          <a:blip r:embed="rId5">
+            <a:extLst>
+              <a:ext uri="{28A0092B-C50C-407E-A947-70E740481C1C}">
+                <a14:useLocalDpi xmlns:a14="http://schemas.microsoft.com/office/drawing/2010/main" val="0"/>
+              </a:ext>
+            </a:extLst>
+          </a:blip>
+          <a:srcRect/>
+          <a:stretch>
+            <a:fillRect/>
+          </a:stretch>
+        </p:blipFill>
+        <p:spPr bwMode="auto">
+          <a:xfrm>
+            <a:off x="5138269" y="2240454"/>
+            <a:ext cx="1409700" cy="80962"/>
+          </a:xfrm>
+          <a:prstGeom prst="rect">
+            <a:avLst/>
+          </a:prstGeom>
+          <a:noFill/>
+          <a:ln>
+            <a:noFill/>
+          </a:ln>
+          <a:extLst>
+            <a:ext uri="{909E8E84-426E-40DD-AFC4-6F175D3DCCD1}">
+              <a14:hiddenFill xmlns:a14="http://schemas.microsoft.com/office/drawing/2010/main">
+                <a:solidFill>
+                  <a:schemeClr val="accent1"/>
+                </a:solidFill>
+              </a14:hiddenFill>
+            </a:ext>
+            <a:ext uri="{91240B29-F687-4F45-9708-019B960494DF}">
+              <a14:hiddenLine xmlns:a14="http://schemas.microsoft.com/office/drawing/2010/main" w="9525">
+                <a:solidFill>
+                  <a:schemeClr val="tx1"/>
+                </a:solidFill>
+                <a:miter lim="800000"/>
+                <a:headEnd/>
+                <a:tailEnd/>
+              </a14:hiddenLine>
+            </a:ext>
+          </a:extLst>
+        </p:spPr>
+      </p:pic>
+      <p:pic>
+        <p:nvPicPr>
+          <p:cNvPr id="11" name="Picture 2"/>
+          <p:cNvPicPr>
+            <a:picLocks noChangeAspect="1" noChangeArrowheads="1"/>
+          </p:cNvPicPr>
+          <p:nvPr/>
+        </p:nvPicPr>
+        <p:blipFill>
+          <a:blip r:embed="rId4">
+            <a:extLst>
+              <a:ext uri="{28A0092B-C50C-407E-A947-70E740481C1C}">
+                <a14:useLocalDpi xmlns:a14="http://schemas.microsoft.com/office/drawing/2010/main" val="0"/>
+              </a:ext>
+            </a:extLst>
+          </a:blip>
+          <a:srcRect/>
+          <a:stretch>
+            <a:fillRect/>
+          </a:stretch>
+        </p:blipFill>
+        <p:spPr bwMode="auto">
+          <a:xfrm>
+            <a:off x="3200171" y="3106891"/>
+            <a:ext cx="821251" cy="781050"/>
+          </a:xfrm>
+          <a:prstGeom prst="rect">
+            <a:avLst/>
+          </a:prstGeom>
+          <a:noFill/>
+          <a:ln>
+            <a:noFill/>
+          </a:ln>
+          <a:extLst>
+            <a:ext uri="{909E8E84-426E-40DD-AFC4-6F175D3DCCD1}">
+              <a14:hiddenFill xmlns:a14="http://schemas.microsoft.com/office/drawing/2010/main">
+                <a:solidFill>
+                  <a:schemeClr val="accent1"/>
+                </a:solidFill>
+              </a14:hiddenFill>
+            </a:ext>
+            <a:ext uri="{91240B29-F687-4F45-9708-019B960494DF}">
+              <a14:hiddenLine xmlns:a14="http://schemas.microsoft.com/office/drawing/2010/main" w="9525">
+                <a:solidFill>
+                  <a:schemeClr val="tx1"/>
+                </a:solidFill>
+                <a:miter lim="800000"/>
+                <a:headEnd/>
+                <a:tailEnd/>
+              </a14:hiddenLine>
+            </a:ext>
+          </a:extLst>
+        </p:spPr>
+      </p:pic>
+      <p:sp>
+        <p:nvSpPr>
+          <p:cNvPr id="12" name="11 CuadroTexto"/>
+          <p:cNvSpPr txBox="1"/>
+          <p:nvPr/>
+        </p:nvSpPr>
+        <p:spPr>
+          <a:xfrm>
+            <a:off x="2220034" y="4021880"/>
+            <a:ext cx="2781531" cy="523220"/>
+          </a:xfrm>
+          <a:prstGeom prst="rect">
+            <a:avLst/>
+          </a:prstGeom>
+          <a:noFill/>
+        </p:spPr>
+        <p:txBody>
+          <a:bodyPr wrap="none" rtlCol="0">
+            <a:spAutoFit/>
+          </a:bodyPr>
+          <a:lstStyle/>
+          <a:p>
+            <a:pPr algn="ctr"/>
+            <a:r>
+              <a:rPr lang="es-ES" dirty="0" smtClean="0"/>
+              <a:t>Otras Consideraciones sobre los</a:t>
+            </a:r>
+          </a:p>
+          <a:p>
+            <a:pPr algn="ctr"/>
+            <a:r>
+              <a:rPr lang="es-ES" dirty="0" smtClean="0"/>
+              <a:t>Modelos de generación de texto</a:t>
+            </a:r>
+            <a:endParaRPr lang="es-ES" dirty="0"/>
+          </a:p>
+        </p:txBody>
+      </p:sp>
+      <p:pic>
+        <p:nvPicPr>
+          <p:cNvPr id="13" name="Picture 3"/>
+          <p:cNvPicPr>
+            <a:picLocks noChangeAspect="1" noChangeArrowheads="1"/>
+          </p:cNvPicPr>
+          <p:nvPr/>
+        </p:nvPicPr>
+        <p:blipFill>
+          <a:blip r:embed="rId5">
+            <a:extLst>
+              <a:ext uri="{28A0092B-C50C-407E-A947-70E740481C1C}">
+                <a14:useLocalDpi xmlns:a14="http://schemas.microsoft.com/office/drawing/2010/main" val="0"/>
+              </a:ext>
+            </a:extLst>
+          </a:blip>
+          <a:srcRect/>
+          <a:stretch>
+            <a:fillRect/>
+          </a:stretch>
+        </p:blipFill>
+        <p:spPr bwMode="auto">
+          <a:xfrm>
+            <a:off x="2907796" y="3934077"/>
+            <a:ext cx="1409700" cy="80962"/>
+          </a:xfrm>
+          <a:prstGeom prst="rect">
+            <a:avLst/>
+          </a:prstGeom>
+          <a:noFill/>
+          <a:ln>
+            <a:noFill/>
+          </a:ln>
+          <a:extLst>
+            <a:ext uri="{909E8E84-426E-40DD-AFC4-6F175D3DCCD1}">
+              <a14:hiddenFill xmlns:a14="http://schemas.microsoft.com/office/drawing/2010/main">
+                <a:solidFill>
+                  <a:schemeClr val="accent1"/>
+                </a:solidFill>
+              </a14:hiddenFill>
+            </a:ext>
+            <a:ext uri="{91240B29-F687-4F45-9708-019B960494DF}">
+              <a14:hiddenLine xmlns:a14="http://schemas.microsoft.com/office/drawing/2010/main" w="9525">
+                <a:solidFill>
+                  <a:schemeClr val="tx1"/>
+                </a:solidFill>
+                <a:miter lim="800000"/>
+                <a:headEnd/>
+                <a:tailEnd/>
+              </a14:hiddenLine>
+            </a:ext>
+          </a:extLst>
+        </p:spPr>
+      </p:pic>
     </p:spTree>
     <p:extLst>
       <p:ext uri="{BB962C8B-B14F-4D97-AF65-F5344CB8AC3E}">
-        <p14:creationId xmlns:p14="http://schemas.microsoft.com/office/powerpoint/2010/main" val="1280356724"/>
+        <p14:creationId xmlns:p14="http://schemas.microsoft.com/office/powerpoint/2010/main" val="795217904"/>
       </p:ext>
     </p:extLst>
   </p:cSld>
   <p:clrMapOvr>
     <a:masterClrMapping/>
   </p:clrMapOvr>
+  <p:timing>
+    <p:tnLst>
+      <p:par>
+        <p:cTn id="1" dur="indefinite" restart="never" nodeType="tmRoot"/>
+      </p:par>
+    </p:tnLst>
+  </p:timing>
 </p:sld>
 </file>
 
@@ -14602,225 +15608,17 @@
   <p:clrMapOvr>
     <a:masterClrMapping/>
   </p:clrMapOvr>
+  <p:timing>
+    <p:tnLst>
+      <p:par>
+        <p:cTn id="1" dur="indefinite" restart="never" nodeType="tmRoot"/>
+      </p:par>
+    </p:tnLst>
+  </p:timing>
 </p:sld>
 </file>
 
 <file path=ppt/slides/slide17.xml><?xml version="1.0" encoding="utf-8"?>
-<p:sld xmlns:a="http://schemas.openxmlformats.org/drawingml/2006/main" xmlns:r="http://schemas.openxmlformats.org/officeDocument/2006/relationships" xmlns:p="http://schemas.openxmlformats.org/presentationml/2006/main">
-  <p:cSld>
-    <p:spTree>
-      <p:nvGrpSpPr>
-        <p:cNvPr id="1" name="Shape 124"/>
-        <p:cNvGrpSpPr/>
-        <p:nvPr/>
-      </p:nvGrpSpPr>
-      <p:grpSpPr>
-        <a:xfrm>
-          <a:off x="0" y="0"/>
-          <a:ext cx="0" cy="0"/>
-          <a:chOff x="0" y="0"/>
-          <a:chExt cx="0" cy="0"/>
-        </a:xfrm>
-      </p:grpSpPr>
-      <p:cxnSp>
-        <p:nvCxnSpPr>
-          <p:cNvPr id="125" name="Google Shape;125;p28"/>
-          <p:cNvCxnSpPr/>
-          <p:nvPr/>
-        </p:nvCxnSpPr>
-        <p:spPr>
-          <a:xfrm>
-            <a:off x="541097" y="640139"/>
-            <a:ext cx="6961800" cy="300"/>
-          </a:xfrm>
-          <a:prstGeom prst="straightConnector1">
-            <a:avLst/>
-          </a:prstGeom>
-          <a:noFill/>
-          <a:ln w="152400" cap="flat" cmpd="sng">
-            <a:solidFill>
-              <a:srgbClr val="FEB382"/>
-            </a:solidFill>
-            <a:prstDash val="solid"/>
-            <a:round/>
-            <a:headEnd type="none" w="med" len="med"/>
-            <a:tailEnd type="none" w="med" len="med"/>
-          </a:ln>
-        </p:spPr>
-      </p:cxnSp>
-      <p:sp>
-        <p:nvSpPr>
-          <p:cNvPr id="126" name="Google Shape;126;p28"/>
-          <p:cNvSpPr txBox="1"/>
-          <p:nvPr/>
-        </p:nvSpPr>
-        <p:spPr>
-          <a:xfrm>
-            <a:off x="541100" y="334650"/>
-            <a:ext cx="4865100" cy="434700"/>
-          </a:xfrm>
-          <a:prstGeom prst="rect">
-            <a:avLst/>
-          </a:prstGeom>
-          <a:noFill/>
-          <a:ln>
-            <a:noFill/>
-          </a:ln>
-        </p:spPr>
-        <p:txBody>
-          <a:bodyPr spcFirstLastPara="1" wrap="square" lIns="17150" tIns="17150" rIns="17150" bIns="17150" anchor="t" anchorCtr="0">
-            <a:noAutofit/>
-          </a:bodyPr>
-          <a:lstStyle/>
-          <a:p>
-            <a:pPr lvl="0">
-              <a:buClr>
-                <a:srgbClr val="FFFFFF"/>
-              </a:buClr>
-              <a:buSzPts val="2600"/>
-            </a:pPr>
-            <a:r>
-              <a:rPr lang="es-ES" sz="2400" dirty="0">
-                <a:solidFill>
-                  <a:srgbClr val="00426E"/>
-                </a:solidFill>
-                <a:latin typeface="Lato Black"/>
-                <a:ea typeface="Lato Black"/>
-                <a:cs typeface="Lato Black"/>
-                <a:sym typeface="Lato Black"/>
-              </a:rPr>
-              <a:t>A </a:t>
-            </a:r>
-            <a:r>
-              <a:rPr lang="es-ES" sz="2400" dirty="0" err="1">
-                <a:solidFill>
-                  <a:srgbClr val="00426E"/>
-                </a:solidFill>
-                <a:latin typeface="Lato Black"/>
-                <a:ea typeface="Lato Black"/>
-                <a:cs typeface="Lato Black"/>
-                <a:sym typeface="Lato Black"/>
-              </a:rPr>
-              <a:t>little</a:t>
-            </a:r>
-            <a:r>
-              <a:rPr lang="es-ES" sz="2400" dirty="0">
-                <a:solidFill>
-                  <a:srgbClr val="00426E"/>
-                </a:solidFill>
-                <a:latin typeface="Lato Black"/>
-                <a:ea typeface="Lato Black"/>
-                <a:cs typeface="Lato Black"/>
-                <a:sym typeface="Lato Black"/>
-              </a:rPr>
-              <a:t> </a:t>
-            </a:r>
-            <a:r>
-              <a:rPr lang="es-ES" sz="2400" dirty="0" err="1">
-                <a:solidFill>
-                  <a:srgbClr val="00426E"/>
-                </a:solidFill>
-                <a:latin typeface="Lato Black"/>
-                <a:ea typeface="Lato Black"/>
-                <a:cs typeface="Lato Black"/>
-                <a:sym typeface="Lato Black"/>
-              </a:rPr>
-              <a:t>context</a:t>
-            </a:r>
-            <a:r>
-              <a:rPr lang="es-ES" sz="2400" dirty="0">
-                <a:solidFill>
-                  <a:srgbClr val="00426E"/>
-                </a:solidFill>
-                <a:latin typeface="Lato Black"/>
-                <a:ea typeface="Lato Black"/>
-                <a:cs typeface="Lato Black"/>
-                <a:sym typeface="Lato Black"/>
-              </a:rPr>
-              <a:t>...</a:t>
-            </a:r>
-            <a:endParaRPr sz="2400" dirty="0">
-              <a:solidFill>
-                <a:srgbClr val="00426E"/>
-              </a:solidFill>
-              <a:latin typeface="Lato Black"/>
-              <a:ea typeface="Lato Black"/>
-              <a:cs typeface="Lato Black"/>
-              <a:sym typeface="Lato Black"/>
-            </a:endParaRPr>
-          </a:p>
-          <a:p>
-            <a:pPr marL="0" marR="0" lvl="0" indent="0" algn="l" rtl="0">
-              <a:lnSpc>
-                <a:spcPct val="100000"/>
-              </a:lnSpc>
-              <a:spcBef>
-                <a:spcPts val="0"/>
-              </a:spcBef>
-              <a:spcAft>
-                <a:spcPts val="0"/>
-              </a:spcAft>
-              <a:buClr>
-                <a:srgbClr val="FFFFFF"/>
-              </a:buClr>
-              <a:buSzPts val="2600"/>
-              <a:buFont typeface="Helvetica Neue"/>
-              <a:buNone/>
-            </a:pPr>
-            <a:endParaRPr sz="2400" dirty="0">
-              <a:solidFill>
-                <a:srgbClr val="00426E"/>
-              </a:solidFill>
-              <a:latin typeface="Lato Black"/>
-              <a:ea typeface="Lato Black"/>
-              <a:cs typeface="Lato Black"/>
-              <a:sym typeface="Lato Black"/>
-            </a:endParaRPr>
-          </a:p>
-        </p:txBody>
-      </p:sp>
-      <p:pic>
-        <p:nvPicPr>
-          <p:cNvPr id="127" name="Google Shape;127;p28"/>
-          <p:cNvPicPr preferRelativeResize="0"/>
-          <p:nvPr/>
-        </p:nvPicPr>
-        <p:blipFill>
-          <a:blip r:embed="rId3">
-            <a:alphaModFix/>
-          </a:blip>
-          <a:stretch>
-            <a:fillRect/>
-          </a:stretch>
-        </p:blipFill>
-        <p:spPr>
-          <a:xfrm>
-            <a:off x="8255377" y="207975"/>
-            <a:ext cx="733750" cy="615101"/>
-          </a:xfrm>
-          <a:prstGeom prst="rect">
-            <a:avLst/>
-          </a:prstGeom>
-          <a:noFill/>
-          <a:ln>
-            <a:noFill/>
-          </a:ln>
-        </p:spPr>
-      </p:pic>
-    </p:spTree>
-    <p:extLst>
-      <p:ext uri="{BB962C8B-B14F-4D97-AF65-F5344CB8AC3E}">
-        <p14:creationId xmlns:p14="http://schemas.microsoft.com/office/powerpoint/2010/main" val="2193811005"/>
-      </p:ext>
-    </p:extLst>
-  </p:cSld>
-  <p:clrMapOvr>
-    <a:masterClrMapping/>
-  </p:clrMapOvr>
-</p:sld>
-</file>
-
-<file path=ppt/slides/slide18.xml><?xml version="1.0" encoding="utf-8"?>
 <p:sld xmlns:a="http://schemas.openxmlformats.org/drawingml/2006/main" xmlns:r="http://schemas.openxmlformats.org/officeDocument/2006/relationships" xmlns:p="http://schemas.openxmlformats.org/presentationml/2006/main" showMasterSp="0">
   <p:cSld>
     <p:spTree>
@@ -15251,6 +16049,13 @@
   <p:clrMapOvr>
     <a:masterClrMapping/>
   </p:clrMapOvr>
+  <p:timing>
+    <p:tnLst>
+      <p:par>
+        <p:cTn id="1" dur="indefinite" restart="never" nodeType="tmRoot"/>
+      </p:par>
+    </p:tnLst>
+  </p:timing>
 </p:sld>
 </file>
 

--- a/doc/Template_ppt_sesion_Chatbot_para_refugiados.pptx
+++ b/doc/Template_ppt_sesion_Chatbot_para_refugiados.pptx
@@ -31,7 +31,7 @@
   <p:notesSz cx="6858000" cy="9144000"/>
   <p:embeddedFontLst>
     <p:embeddedFont>
-      <p:font typeface="Lato" panose="020B0604020202020204" charset="0"/>
+      <p:font typeface="Montserrat" panose="020B0604020202020204" charset="0"/>
       <p:regular r:id="rId21"/>
       <p:bold r:id="rId22"/>
       <p:italic r:id="rId23"/>
@@ -45,14 +45,14 @@
       <p:boldItalic r:id="rId28"/>
     </p:embeddedFont>
     <p:embeddedFont>
-      <p:font typeface="Montserrat" panose="020B0604020202020204" charset="0"/>
+      <p:font typeface="Montserrat Medium" panose="020B0604020202020204" charset="0"/>
       <p:regular r:id="rId29"/>
       <p:bold r:id="rId30"/>
       <p:italic r:id="rId31"/>
       <p:boldItalic r:id="rId32"/>
     </p:embeddedFont>
     <p:embeddedFont>
-      <p:font typeface="Montserrat Medium" panose="020B0604020202020204" charset="0"/>
+      <p:font typeface="Lato" panose="020B0604020202020204" charset="0"/>
       <p:regular r:id="rId33"/>
       <p:bold r:id="rId34"/>
       <p:italic r:id="rId35"/>
@@ -295,7 +295,7 @@
   </p:defaultTextStyle>
   <p:extLst>
     <p:ext uri="{EFAFB233-063F-42B5-8137-9DF3F51BA10A}">
-      <p15:sldGuideLst xmlns:ahyp="http://schemas.microsoft.com/office/drawing/2018/hyperlinkcolor" xmlns:p15="http://schemas.microsoft.com/office/powerpoint/2012/main" xmlns:p14="http://schemas.microsoft.com/office/powerpoint/2010/main" xmlns:com="http://schemas.openxmlformats.org/drawingml/2006/compatibility" xmlns:pvml="urn:schemas-microsoft-com:office:powerpoint" xmlns:v="urn:schemas-microsoft-com:vml" xmlns:o="urn:schemas-microsoft-com:office:office" xmlns:dgm="http://schemas.openxmlformats.org/drawingml/2006/diagram" xmlns:c="http://schemas.openxmlformats.org/drawingml/2006/chart" xmlns:mv="urn:schemas-microsoft-com:mac:vml" xmlns:mc="http://schemas.openxmlformats.org/markup-compatibility/2006" xmlns="">
+      <p15:sldGuideLst xmlns="" xmlns:mc="http://schemas.openxmlformats.org/markup-compatibility/2006" xmlns:mv="urn:schemas-microsoft-com:mac:vml" xmlns:c="http://schemas.openxmlformats.org/drawingml/2006/chart" xmlns:dgm="http://schemas.openxmlformats.org/drawingml/2006/diagram" xmlns:o="urn:schemas-microsoft-com:office:office" xmlns:v="urn:schemas-microsoft-com:vml" xmlns:pvml="urn:schemas-microsoft-com:office:powerpoint" xmlns:com="http://schemas.openxmlformats.org/drawingml/2006/compatibility" xmlns:p14="http://schemas.microsoft.com/office/powerpoint/2010/main" xmlns:p15="http://schemas.microsoft.com/office/powerpoint/2012/main" xmlns:ahyp="http://schemas.microsoft.com/office/drawing/2018/hyperlinkcolor">
         <p15:guide id="1" orient="horz" pos="1620">
           <p15:clr>
             <a:srgbClr val="A4A3A4"/>
@@ -1303,15 +1303,36 @@
             </a:br>
             <a:r>
               <a:rPr lang="es" baseline="0" dirty="0" smtClean="0"/>
-              <a:t>Nuestro objetivo es desarrollar un chatbot para el colectivo de refugiados, para poder proveer de un entorno de mayor información y optimizar la dedicacion por parte de los servicios de atención.</a:t>
+              <a:t>Nuestro objetivo es desarrollar un chatbot para el colectivo de refugiados, para poder </a:t>
+            </a:r>
+            <a:r>
+              <a:rPr lang="es" baseline="0" dirty="0" smtClean="0"/>
+              <a:t>acompañar a este colectivo facilitando su acceso a la información </a:t>
+            </a:r>
+            <a:r>
+              <a:rPr lang="es" baseline="0" dirty="0" smtClean="0"/>
+              <a:t>y optimizar la </a:t>
+            </a:r>
+            <a:r>
+              <a:rPr lang="es" baseline="0" dirty="0" smtClean="0"/>
+              <a:t>dedicación </a:t>
+            </a:r>
+            <a:r>
+              <a:rPr lang="es" baseline="0" dirty="0" smtClean="0"/>
+              <a:t>por parte de los servicios de atención.</a:t>
             </a:r>
             <a:br>
               <a:rPr lang="es" baseline="0" dirty="0" smtClean="0"/>
             </a:br>
             <a:r>
               <a:rPr lang="es" baseline="0" dirty="0" smtClean="0"/>
-              <a:t>Como habéis visto, nuestro proyecto se ha desarrollado en dos fases, que han dado lugar a dos soluciones válidas por ellas mismas:</a:t>
+              <a:t>Como habéis visto, nuestro proyecto se ha desarrollado en dos fases, que han dado lugar a dos </a:t>
             </a:r>
+            <a:r>
+              <a:rPr lang="es" baseline="0" dirty="0" smtClean="0"/>
+              <a:t>soluciones de diferente enfoque:</a:t>
+            </a:r>
+            <a:endParaRPr lang="es" baseline="0" dirty="0" smtClean="0"/>
           </a:p>
           <a:p>
             <a:pPr marL="171450" lvl="0" indent="-171450" algn="l" rtl="0">
@@ -1362,8 +1383,13 @@
             </a:pPr>
             <a:r>
               <a:rPr lang="es" baseline="0" dirty="0" smtClean="0"/>
-              <a:t>Consideramos que las dos funcionalidades alcanzadas tienen interés de cara al desarrollo de la solución.</a:t>
+              <a:t>Consideramos que las dos funcionalidades alcanzadas tienen interés de cara al desarrollo de </a:t>
             </a:r>
+            <a:r>
+              <a:rPr lang="es" baseline="0" dirty="0" smtClean="0"/>
+              <a:t>una solución final.</a:t>
+            </a:r>
+            <a:endParaRPr lang="es" baseline="0" dirty="0" smtClean="0"/>
           </a:p>
           <a:p>
             <a:pPr marL="0" lvl="0" indent="0" algn="l" rtl="0">
@@ -1445,8 +1471,21 @@
             </a:pPr>
             <a:r>
               <a:rPr lang="es" baseline="0" dirty="0" smtClean="0"/>
-              <a:t>En próximos pasos, podríamos optar por:</a:t>
+              <a:t>En </a:t>
             </a:r>
+            <a:r>
+              <a:rPr lang="es" baseline="0" dirty="0" smtClean="0"/>
+              <a:t>cuanto a próximos </a:t>
+            </a:r>
+            <a:r>
+              <a:rPr lang="es" baseline="0" dirty="0" smtClean="0"/>
+              <a:t>pasos</a:t>
+            </a:r>
+            <a:r>
+              <a:rPr lang="es" baseline="0" dirty="0" smtClean="0"/>
+              <a:t>,</a:t>
+            </a:r>
+            <a:endParaRPr lang="es" baseline="0" dirty="0" smtClean="0"/>
           </a:p>
           <a:p>
             <a:pPr marL="171450" lvl="0" indent="-171450" algn="l" rtl="0">
@@ -1461,8 +1500,17 @@
             </a:pPr>
             <a:r>
               <a:rPr lang="es" baseline="0" dirty="0" smtClean="0"/>
-              <a:t>Seguir trabajando en el fine-tuning de un modelo de generación de texto,</a:t>
+              <a:t>En primer lugar, podríamos optar por seguir </a:t>
             </a:r>
+            <a:r>
+              <a:rPr lang="es" baseline="0" dirty="0" smtClean="0"/>
+              <a:t>trabajando en el fine-tuning de un modelo de generación de texto</a:t>
+            </a:r>
+            <a:r>
+              <a:rPr lang="es" baseline="0" dirty="0" smtClean="0"/>
+              <a:t>, de modo que un modelo de este tipo pudiera dar respuestas acuradas para el grupo de refugiados;</a:t>
+            </a:r>
+            <a:endParaRPr lang="es" baseline="0" dirty="0" smtClean="0"/>
           </a:p>
           <a:p>
             <a:pPr marL="171450" lvl="0" indent="-171450" algn="l" rtl="0">
@@ -1477,7 +1525,11 @@
             </a:pPr>
             <a:r>
               <a:rPr lang="es" baseline="0" dirty="0" smtClean="0"/>
-              <a:t>Buscar algún otro tipo de modelo indepenientemente de su disponibilidad en idioma, y tras ello aplicar traducción. En este caso podríamos optar por un modelo Conversacional, por ejemplo.</a:t>
+              <a:t>Otra opción, que planteamos en la diapositiva en segundo lugar, sería buscar </a:t>
+            </a:r>
+            <a:r>
+              <a:rPr lang="es" baseline="0" dirty="0" smtClean="0"/>
+              <a:t>algún otro tipo de modelo indepenientemente de su disponibilidad en idioma, y tras ello aplicar traducción. En este caso podríamos optar por un modelo Conversacional, por ejemplo.</a:t>
             </a:r>
           </a:p>
           <a:p>
@@ -1493,7 +1545,11 @@
             </a:pPr>
             <a:r>
               <a:rPr lang="es" baseline="0" dirty="0" smtClean="0"/>
-              <a:t>O bien podríamos trabajar en implementar una solución que incluyese los dos modelos que hemos trabajado. Por ejemplo, empezaríamos aplicando un modelo de clasificación, que permitiese identificar cuando el input del chat se refiere a consultas generales o bien a consultas específicas p</a:t>
+              <a:t>Otro enfoque podría ser trabajar </a:t>
+            </a:r>
+            <a:r>
+              <a:rPr lang="es" baseline="0" dirty="0" smtClean="0"/>
+              <a:t>en implementar una solución que incluyese los dos modelos que hemos trabajado. Por ejemplo, empezaríamos aplicando un modelo de clasificación, que permitiese identificar cuando el input del chat se refiere a consultas generales o bien a consultas específicas p</a:t>
             </a:r>
             <a:r>
               <a:rPr lang="es-ES" baseline="0" dirty="0" smtClean="0"/>
@@ -1645,7 +1701,15 @@
             </a:pPr>
             <a:r>
               <a:rPr lang="es" baseline="0" dirty="0" smtClean="0"/>
-              <a:t>Nos gustaría empezar por un aspecto que nos pareció muy interesante: la filosofía de HuggingFace. Una plataforma donde se comparten los avances para los modelos de NLP, y a la vez se puede acceder a cursos e incluso la filosofía: ¿para qué entrenar de nuevo un modelo, y consumir más recursos, si los recursos en el planeta son limitados…?</a:t>
+              <a:t>Nos gustaría empezar por un aspecto que nos pareció muy interesante: la filosofía de HuggingFace. Una plataforma donde se comparten los avances para los modelos de NLP, y a la vez se puede acceder </a:t>
+            </a:r>
+            <a:r>
+              <a:rPr lang="es" baseline="0" dirty="0" smtClean="0"/>
+              <a:t>a cursos sobre esta temática. También nos encantó su filosofía, que consideramos también muy alineada con todo lo aprendido en este curso… por ejemplo, </a:t>
+            </a:r>
+            <a:r>
+              <a:rPr lang="es" baseline="0" dirty="0" smtClean="0"/>
+              <a:t>¿para qué entrenar de nuevo un modelo, y consumir más recursos, si los recursos en el planeta son limitados…?</a:t>
             </a:r>
           </a:p>
           <a:p>
@@ -1672,8 +1736,13 @@
             </a:pPr>
             <a:r>
               <a:rPr lang="es" baseline="0" dirty="0" smtClean="0"/>
-              <a:t>De acuerdo, ahora nos gustaría enfocarnos en algo un poco más práctico. Cuando participamos en la fase de code-to-learn de este mismo curso, vimos que la mayor parte del tiempo de un científico de datos se invertía en la limpieza y pre-procesado de los datos. Y en nuestro caso, nos ha sorprendido porque efectivamente hemos invertido bastante tiempo en el ajuste de datos; pero no tanto en su limpieza, sino más bien en tratar de averiguar el formato de los datos de entrada para ajustar el entrenamiento del modelo preexistente con nuestros datos específicos, procedentes de preguntas y respuestas que habíamos generado partiendo de algunos artículos del Boletín Oficial del Estado.</a:t>
+              <a:t>De acuerdo, ahora nos gustaría enfocarnos en algo un poco más práctico. Cuando participamos en la fase de code-to-learn de este mismo curso, vimos que la mayor parte del tiempo de un científico de datos se invertía en la limpieza y pre-procesado de los datos. Y en nuestro caso, nos ha sorprendido porque efectivamente hemos invertido bastante tiempo en el ajuste de datos; pero no tanto en su limpieza, sino más bien en tratar de averiguar el formato de los datos de entrada para ajustar el entrenamiento del modelo preexistente con nuestros datos específicos, procedentes de preguntas y respuestas que habíamos generado partiendo de algunos artículos del Boletín Oficial del </a:t>
             </a:r>
+            <a:r>
+              <a:rPr lang="es" baseline="0" dirty="0" smtClean="0"/>
+              <a:t>Estado o BOE.</a:t>
+            </a:r>
+            <a:endParaRPr lang="es" baseline="0" dirty="0" smtClean="0"/>
           </a:p>
           <a:p>
             <a:pPr marL="0" lvl="0" indent="0" algn="l" rtl="0">
@@ -1699,7 +1768,39 @@
             </a:pPr>
             <a:r>
               <a:rPr lang="es" baseline="0" dirty="0" smtClean="0"/>
-              <a:t>Y sí, también nos gustaría compartir algunas reflexiones que han surgido en el desarrollo del proyecto. En lo que refiere a los modelos de Generación de texto, que nos resultan tan y tan interesantes, hay algo que debe tenerse en cuenta. En primer lugar, nos parecen extraordinarios los avances que ha habido en NLP en el poco tiempo que hemos estado desarrollando este proyecto. En segundo lugar, hay que tener en cuenta que aunque estos modelos “generan” texto, previamente han sido entrenados con datos; por lo tanto, aunque en ocasiones parezcan (y respondan) de forma muy empática, también hay que seguir considerando que no están libres de sesgos y que por lo tanto queda recorrido por hacer. En muchos ámbitos y también en el ámbito de la Inteligencia Artificial.</a:t>
+              <a:t>Y sí, también nos gustaría compartir algunas reflexiones que han surgido en el desarrollo del proyecto. En lo que refiere a los modelos de Generación de texto, que nos resultan tan y tan interesantes, hay algo que debe tenerse en cuenta. En primer lugar, nos parecen extraordinarios los avances que ha habido en NLP en el poco tiempo que hemos estado desarrollando este proyecto. En segundo lugar, hay que tener en cuenta que aunque estos modelos “generan” texto, previamente han sido entrenados con datos; por lo tanto, aunque en ocasiones </a:t>
+            </a:r>
+            <a:r>
+              <a:rPr lang="es" baseline="0" dirty="0" smtClean="0"/>
+              <a:t>respondan </a:t>
+            </a:r>
+            <a:r>
+              <a:rPr lang="es" baseline="0" dirty="0" smtClean="0"/>
+              <a:t>de forma muy </a:t>
+            </a:r>
+            <a:r>
+              <a:rPr lang="es" baseline="0" dirty="0" smtClean="0"/>
+              <a:t>empática (sí sí.. </a:t>
+            </a:r>
+            <a:r>
+              <a:rPr lang="es-ES" baseline="0" dirty="0" smtClean="0"/>
+              <a:t>más empática incluso que algunos humanos!)</a:t>
+            </a:r>
+            <a:r>
+              <a:rPr lang="es" baseline="0" dirty="0" smtClean="0"/>
+              <a:t>, </a:t>
+            </a:r>
+            <a:r>
+              <a:rPr lang="es" baseline="0" dirty="0" smtClean="0"/>
+              <a:t>también hay que seguir considerando que no están libres de sesgos y que por lo tanto queda recorrido por hacer. En muchos ámbitos </a:t>
+            </a:r>
+            <a:r>
+              <a:rPr lang="es" baseline="0" dirty="0" smtClean="0"/>
+              <a:t>ypor lo tanto, </a:t>
+            </a:r>
+            <a:r>
+              <a:rPr lang="es" baseline="0" dirty="0" smtClean="0"/>
+              <a:t>también en el ámbito de la Inteligencia Artificial.</a:t>
             </a:r>
           </a:p>
         </p:txBody>
@@ -1847,28 +1948,20 @@
             </a:pPr>
             <a:r>
               <a:rPr lang="es-ES" dirty="0" smtClean="0"/>
-              <a:t>Volviendo al proyecto, a continuación</a:t>
+              <a:t>Volviendo </a:t>
+            </a:r>
+            <a:r>
+              <a:rPr lang="es-ES" dirty="0" smtClean="0"/>
+              <a:t>al proyecto, a continuación</a:t>
             </a:r>
             <a:r>
               <a:rPr lang="es-ES" baseline="0" dirty="0" smtClean="0"/>
-              <a:t> compartimos enlaces donde podréis encontrar mayor detalle del proyecto así como información de contacto.</a:t>
+              <a:t> compartimos enlaces donde podréis encontrar mayor detalle del proyecto así como información de contacto</a:t>
             </a:r>
-          </a:p>
-          <a:p>
-            <a:pPr marL="0" lvl="0" indent="0" algn="l" rtl="0">
-              <a:spcBef>
-                <a:spcPts val="0"/>
-              </a:spcBef>
-              <a:spcAft>
-                <a:spcPts val="0"/>
-              </a:spcAft>
-              <a:buNone/>
-            </a:pPr>
             <a:r>
               <a:rPr lang="es-ES" baseline="0" dirty="0" smtClean="0"/>
-              <a:t>¡Muchas gracias por haber compartido estos minutos con nosotros!</a:t>
+              <a:t>.</a:t>
             </a:r>
-            <a:endParaRPr dirty="0"/>
           </a:p>
         </p:txBody>
       </p:sp>
@@ -1925,6 +2018,83 @@
             <a:noAutofit/>
           </a:bodyPr>
           <a:lstStyle/>
+          <a:p>
+            <a:pPr marL="0" marR="0" lvl="0" indent="0" algn="l" defTabSz="914400" rtl="0" eaLnBrk="1" fontAlgn="auto" latinLnBrk="0" hangingPunct="1">
+              <a:lnSpc>
+                <a:spcPct val="100000"/>
+              </a:lnSpc>
+              <a:spcBef>
+                <a:spcPts val="0"/>
+              </a:spcBef>
+              <a:spcAft>
+                <a:spcPts val="0"/>
+              </a:spcAft>
+              <a:buClr>
+                <a:srgbClr val="000000"/>
+              </a:buClr>
+              <a:buSzPts val="1100"/>
+              <a:buFont typeface="Arial"/>
+              <a:buNone/>
+              <a:tabLst/>
+              <a:defRPr/>
+            </a:pPr>
+            <a:r>
+              <a:rPr lang="es-ES" dirty="0" smtClean="0"/>
+              <a:t>Ah, y por cierto. Este</a:t>
+            </a:r>
+            <a:r>
+              <a:rPr lang="es-ES" baseline="0" dirty="0" smtClean="0"/>
+              <a:t> video se ha generado como prueba de una plataforma, en la que hemos cargado una fotografía de cada miembro del equipo, así como el texto a exponer y las diapositivas.</a:t>
+            </a:r>
+          </a:p>
+          <a:p>
+            <a:pPr marL="0" marR="0" lvl="0" indent="0" algn="l" defTabSz="914400" rtl="0" eaLnBrk="1" fontAlgn="auto" latinLnBrk="0" hangingPunct="1">
+              <a:lnSpc>
+                <a:spcPct val="100000"/>
+              </a:lnSpc>
+              <a:spcBef>
+                <a:spcPts val="0"/>
+              </a:spcBef>
+              <a:spcAft>
+                <a:spcPts val="0"/>
+              </a:spcAft>
+              <a:buClr>
+                <a:srgbClr val="000000"/>
+              </a:buClr>
+              <a:buSzPts val="1100"/>
+              <a:buFont typeface="Arial"/>
+              <a:buNone/>
+              <a:tabLst/>
+              <a:defRPr/>
+            </a:pPr>
+            <a:endParaRPr lang="es-ES" baseline="0" dirty="0" smtClean="0"/>
+          </a:p>
+          <a:p>
+            <a:pPr marL="0" marR="0" lvl="0" indent="0" algn="l" defTabSz="914400" rtl="0" eaLnBrk="1" fontAlgn="auto" latinLnBrk="0" hangingPunct="1">
+              <a:lnSpc>
+                <a:spcPct val="100000"/>
+              </a:lnSpc>
+              <a:spcBef>
+                <a:spcPts val="0"/>
+              </a:spcBef>
+              <a:spcAft>
+                <a:spcPts val="0"/>
+              </a:spcAft>
+              <a:buClr>
+                <a:srgbClr val="000000"/>
+              </a:buClr>
+              <a:buSzPts val="1100"/>
+              <a:buFont typeface="Arial"/>
+              <a:buNone/>
+              <a:tabLst/>
+              <a:defRPr/>
+            </a:pPr>
+            <a:r>
+              <a:rPr lang="es-ES" baseline="0" dirty="0" smtClean="0"/>
+              <a:t>¡Muchas gracias por haber compartido estos minutos con nosotros!</a:t>
+            </a:r>
+            <a:endParaRPr lang="es-ES" dirty="0" smtClean="0"/>
+          </a:p>
           <a:p>
             <a:pPr marL="0" lvl="0" indent="0" algn="l" rtl="0">
               <a:spcBef>
@@ -14267,6 +14437,45 @@
           <a:chExt cx="0" cy="0"/>
         </a:xfrm>
       </p:grpSpPr>
+      <p:pic>
+        <p:nvPicPr>
+          <p:cNvPr id="2052" name="Picture 4" descr="Hombre de palo dibujado a mano sosteniendo el gran símbolo de pieza de  rompecabezas para el trabajo en equipo exitoso concepto juntos. contenido  de marketing. dibujos animados 4636750 Vector en Vecteezy"/>
+          <p:cNvPicPr>
+            <a:picLocks noChangeAspect="1" noChangeArrowheads="1"/>
+          </p:cNvPicPr>
+          <p:nvPr/>
+        </p:nvPicPr>
+        <p:blipFill rotWithShape="1">
+          <a:blip r:embed="rId3">
+            <a:extLst>
+              <a:ext uri="{28A0092B-C50C-407E-A947-70E740481C1C}">
+                <a14:useLocalDpi xmlns:a14="http://schemas.microsoft.com/office/drawing/2010/main" val="0"/>
+              </a:ext>
+            </a:extLst>
+          </a:blip>
+          <a:srcRect t="23013" b="24339"/>
+          <a:stretch/>
+        </p:blipFill>
+        <p:spPr bwMode="auto">
+          <a:xfrm>
+            <a:off x="5374780" y="1471518"/>
+            <a:ext cx="3116148" cy="1640598"/>
+          </a:xfrm>
+          <a:prstGeom prst="rect">
+            <a:avLst/>
+          </a:prstGeom>
+          <a:noFill/>
+          <a:extLst>
+            <a:ext uri="{909E8E84-426E-40DD-AFC4-6F175D3DCCD1}">
+              <a14:hiddenFill xmlns:a14="http://schemas.microsoft.com/office/drawing/2010/main">
+                <a:solidFill>
+                  <a:srgbClr val="FFFFFF"/>
+                </a:solidFill>
+              </a14:hiddenFill>
+            </a:ext>
+          </a:extLst>
+        </p:spPr>
+      </p:pic>
       <p:cxnSp>
         <p:nvCxnSpPr>
           <p:cNvPr id="125" name="Google Shape;125;p28"/>
@@ -14383,7 +14592,7 @@
           <p:nvPr/>
         </p:nvPicPr>
         <p:blipFill>
-          <a:blip r:embed="rId3">
+          <a:blip r:embed="rId4">
             <a:alphaModFix/>
           </a:blip>
           <a:stretch>
@@ -14404,16 +14613,67 @@
           </a:ln>
         </p:spPr>
       </p:pic>
+      <p:sp>
+        <p:nvSpPr>
+          <p:cNvPr id="12" name="11 CuadroTexto"/>
+          <p:cNvSpPr txBox="1"/>
+          <p:nvPr/>
+        </p:nvSpPr>
+        <p:spPr>
+          <a:xfrm>
+            <a:off x="5840317" y="3540966"/>
+            <a:ext cx="1932084" cy="600164"/>
+          </a:xfrm>
+          <a:prstGeom prst="rect">
+            <a:avLst/>
+          </a:prstGeom>
+          <a:noFill/>
+        </p:spPr>
+        <p:txBody>
+          <a:bodyPr wrap="square" rtlCol="0">
+            <a:spAutoFit/>
+          </a:bodyPr>
+          <a:lstStyle/>
+          <a:p>
+            <a:pPr algn="ctr"/>
+            <a:r>
+              <a:rPr lang="es-ES" sz="1100" dirty="0" smtClean="0"/>
+              <a:t>Enfoque mixto:</a:t>
+            </a:r>
+          </a:p>
+          <a:p>
+            <a:pPr marL="285750" indent="-285750" algn="ctr">
+              <a:buFontTx/>
+              <a:buChar char="-"/>
+            </a:pPr>
+            <a:r>
+              <a:rPr lang="es-ES" sz="1100" dirty="0" smtClean="0"/>
+              <a:t>Inputs generales</a:t>
+            </a:r>
+          </a:p>
+          <a:p>
+            <a:pPr marL="285750" indent="-285750" algn="ctr">
+              <a:buFontTx/>
+              <a:buChar char="-"/>
+            </a:pPr>
+            <a:r>
+              <a:rPr lang="es-ES" sz="1100" dirty="0" smtClean="0"/>
+              <a:t>Inputs específicos</a:t>
+            </a:r>
+            <a:endParaRPr lang="es-ES" sz="1100" dirty="0"/>
+          </a:p>
+        </p:txBody>
+      </p:sp>
       <p:pic>
         <p:nvPicPr>
-          <p:cNvPr id="7" name="Picture 3"/>
+          <p:cNvPr id="17" name="Picture 3"/>
           <p:cNvPicPr>
             <a:picLocks noChangeAspect="1" noChangeArrowheads="1"/>
           </p:cNvPicPr>
           <p:nvPr/>
         </p:nvPicPr>
         <p:blipFill>
-          <a:blip r:embed="rId4">
+          <a:blip r:embed="rId5">
             <a:extLst>
               <a:ext uri="{28A0092B-C50C-407E-A947-70E740481C1C}">
                 <a14:useLocalDpi xmlns:a14="http://schemas.microsoft.com/office/drawing/2010/main" val="0"/>
@@ -14427,8 +14687,8 @@
         </p:blipFill>
         <p:spPr bwMode="auto">
           <a:xfrm>
-            <a:off x="733425" y="3088179"/>
-            <a:ext cx="2397924" cy="80962"/>
+            <a:off x="5840317" y="3355228"/>
+            <a:ext cx="2006370" cy="57615"/>
           </a:xfrm>
           <a:prstGeom prst="rect">
             <a:avLst/>
@@ -14458,16 +14718,86 @@
           </a:extLst>
         </p:spPr>
       </p:pic>
+      <p:sp>
+        <p:nvSpPr>
+          <p:cNvPr id="3" name="2 CuadroTexto"/>
+          <p:cNvSpPr txBox="1"/>
+          <p:nvPr/>
+        </p:nvSpPr>
+        <p:spPr>
+          <a:xfrm>
+            <a:off x="7312526" y="3133176"/>
+            <a:ext cx="506870" cy="215444"/>
+          </a:xfrm>
+          <a:prstGeom prst="rect">
+            <a:avLst/>
+          </a:prstGeom>
+          <a:noFill/>
+        </p:spPr>
+        <p:txBody>
+          <a:bodyPr wrap="none" rtlCol="0">
+            <a:spAutoFit/>
+          </a:bodyPr>
+          <a:lstStyle/>
+          <a:p>
+            <a:r>
+              <a:rPr lang="es-ES" sz="800" dirty="0" smtClean="0">
+                <a:hlinkClick r:id="rId6"/>
+              </a:rPr>
+              <a:t>Fuente</a:t>
+            </a:r>
+            <a:endParaRPr lang="es-ES" sz="800" dirty="0"/>
+          </a:p>
+        </p:txBody>
+      </p:sp>
+      <p:sp>
+        <p:nvSpPr>
+          <p:cNvPr id="20" name="19 CuadroTexto"/>
+          <p:cNvSpPr txBox="1"/>
+          <p:nvPr/>
+        </p:nvSpPr>
+        <p:spPr>
+          <a:xfrm>
+            <a:off x="3161705" y="3531441"/>
+            <a:ext cx="1932084" cy="430887"/>
+          </a:xfrm>
+          <a:prstGeom prst="rect">
+            <a:avLst/>
+          </a:prstGeom>
+          <a:noFill/>
+        </p:spPr>
+        <p:txBody>
+          <a:bodyPr wrap="square" rtlCol="0">
+            <a:spAutoFit/>
+          </a:bodyPr>
+          <a:lstStyle/>
+          <a:p>
+            <a:pPr algn="ctr"/>
+            <a:r>
+              <a:rPr lang="es-ES" sz="1100" dirty="0"/>
+              <a:t>Otros modelos:</a:t>
+            </a:r>
+          </a:p>
+          <a:p>
+            <a:pPr algn="ctr"/>
+            <a:r>
+              <a:rPr lang="es-ES" sz="1100" dirty="0"/>
+              <a:t>Traducción</a:t>
+            </a:r>
+            <a:endParaRPr lang="es-ES" sz="1100" dirty="0"/>
+          </a:p>
+        </p:txBody>
+      </p:sp>
       <p:pic>
         <p:nvPicPr>
-          <p:cNvPr id="9" name="Picture 3"/>
+          <p:cNvPr id="21" name="Picture 3"/>
           <p:cNvPicPr>
             <a:picLocks noChangeAspect="1" noChangeArrowheads="1"/>
           </p:cNvPicPr>
           <p:nvPr/>
         </p:nvPicPr>
         <p:blipFill>
-          <a:blip r:embed="rId4">
+          <a:blip r:embed="rId5">
             <a:extLst>
               <a:ext uri="{28A0092B-C50C-407E-A947-70E740481C1C}">
                 <a14:useLocalDpi xmlns:a14="http://schemas.microsoft.com/office/drawing/2010/main" val="0"/>
@@ -14481,8 +14811,8 @@
         </p:blipFill>
         <p:spPr bwMode="auto">
           <a:xfrm>
-            <a:off x="3218924" y="3088179"/>
-            <a:ext cx="2397924" cy="80962"/>
+            <a:off x="3161705" y="3345703"/>
+            <a:ext cx="2006370" cy="57615"/>
           </a:xfrm>
           <a:prstGeom prst="rect">
             <a:avLst/>
@@ -14512,16 +14842,90 @@
           </a:extLst>
         </p:spPr>
       </p:pic>
+      <p:sp>
+        <p:nvSpPr>
+          <p:cNvPr id="22" name="21 CuadroTexto"/>
+          <p:cNvSpPr txBox="1"/>
+          <p:nvPr/>
+        </p:nvSpPr>
+        <p:spPr>
+          <a:xfrm>
+            <a:off x="4633914" y="3123651"/>
+            <a:ext cx="506870" cy="215444"/>
+          </a:xfrm>
+          <a:prstGeom prst="rect">
+            <a:avLst/>
+          </a:prstGeom>
+          <a:noFill/>
+        </p:spPr>
+        <p:txBody>
+          <a:bodyPr wrap="none" rtlCol="0">
+            <a:spAutoFit/>
+          </a:bodyPr>
+          <a:lstStyle/>
+          <a:p>
+            <a:r>
+              <a:rPr lang="es-ES" sz="800" dirty="0" smtClean="0">
+                <a:hlinkClick r:id="rId7"/>
+              </a:rPr>
+              <a:t>Fuente</a:t>
+            </a:r>
+            <a:endParaRPr lang="es-ES" sz="800" dirty="0"/>
+          </a:p>
+        </p:txBody>
+      </p:sp>
+      <p:sp>
+        <p:nvSpPr>
+          <p:cNvPr id="24" name="23 CuadroTexto"/>
+          <p:cNvSpPr txBox="1"/>
+          <p:nvPr/>
+        </p:nvSpPr>
+        <p:spPr>
+          <a:xfrm>
+            <a:off x="532805" y="3539651"/>
+            <a:ext cx="1932084" cy="430887"/>
+          </a:xfrm>
+          <a:prstGeom prst="rect">
+            <a:avLst/>
+          </a:prstGeom>
+          <a:noFill/>
+        </p:spPr>
+        <p:txBody>
+          <a:bodyPr wrap="square" rtlCol="0">
+            <a:spAutoFit/>
+          </a:bodyPr>
+          <a:lstStyle/>
+          <a:p>
+            <a:pPr algn="ctr"/>
+            <a:r>
+              <a:rPr lang="es-ES" sz="1100" dirty="0"/>
+              <a:t>Generación de Texto:</a:t>
+            </a:r>
+          </a:p>
+          <a:p>
+            <a:pPr algn="ctr"/>
+            <a:r>
+              <a:rPr lang="es-ES" sz="1100" dirty="0"/>
+              <a:t>Fine-</a:t>
+            </a:r>
+            <a:r>
+              <a:rPr lang="es-ES" sz="1100" dirty="0" err="1"/>
+              <a:t>Tuning</a:t>
+            </a:r>
+            <a:endParaRPr lang="es-ES" sz="1100" dirty="0"/>
+          </a:p>
+        </p:txBody>
+      </p:sp>
       <p:pic>
         <p:nvPicPr>
-          <p:cNvPr id="10" name="Picture 3"/>
+          <p:cNvPr id="25" name="Picture 3"/>
           <p:cNvPicPr>
             <a:picLocks noChangeAspect="1" noChangeArrowheads="1"/>
           </p:cNvPicPr>
           <p:nvPr/>
         </p:nvPicPr>
         <p:blipFill>
-          <a:blip r:embed="rId4">
+          <a:blip r:embed="rId5">
             <a:extLst>
               <a:ext uri="{28A0092B-C50C-407E-A947-70E740481C1C}">
                 <a14:useLocalDpi xmlns:a14="http://schemas.microsoft.com/office/drawing/2010/main" val="0"/>
@@ -14535,8 +14939,8 @@
         </p:blipFill>
         <p:spPr bwMode="auto">
           <a:xfrm>
-            <a:off x="5685899" y="3088179"/>
-            <a:ext cx="2397924" cy="80962"/>
+            <a:off x="532805" y="3353913"/>
+            <a:ext cx="2006370" cy="57615"/>
           </a:xfrm>
           <a:prstGeom prst="rect">
             <a:avLst/>
@@ -14568,14 +14972,14 @@
       </p:pic>
       <p:sp>
         <p:nvSpPr>
-          <p:cNvPr id="11" name="10 CuadroTexto"/>
+          <p:cNvPr id="26" name="25 CuadroTexto"/>
           <p:cNvSpPr txBox="1"/>
           <p:nvPr/>
         </p:nvSpPr>
         <p:spPr>
           <a:xfrm>
-            <a:off x="733425" y="3185507"/>
-            <a:ext cx="2397924" cy="523220"/>
+            <a:off x="2005014" y="3131861"/>
+            <a:ext cx="506870" cy="215444"/>
           </a:xfrm>
           <a:prstGeom prst="rect">
             <a:avLst/>
@@ -14583,130 +14987,73 @@
           <a:noFill/>
         </p:spPr>
         <p:txBody>
-          <a:bodyPr wrap="square" rtlCol="0">
+          <a:bodyPr wrap="none" rtlCol="0">
             <a:spAutoFit/>
           </a:bodyPr>
           <a:lstStyle/>
           <a:p>
-            <a:pPr algn="ctr"/>
             <a:r>
-              <a:rPr lang="es-ES" dirty="0" smtClean="0"/>
-              <a:t>Generación de Texto:</a:t>
+              <a:rPr lang="es-ES" sz="800" dirty="0" smtClean="0">
+                <a:hlinkClick r:id="rId8"/>
+              </a:rPr>
+              <a:t>Fuente</a:t>
             </a:r>
-          </a:p>
-          <a:p>
-            <a:pPr algn="ctr"/>
-            <a:r>
-              <a:rPr lang="es-ES" dirty="0" smtClean="0"/>
-              <a:t>Fine-</a:t>
-            </a:r>
-            <a:r>
-              <a:rPr lang="es-ES" dirty="0" err="1" smtClean="0"/>
-              <a:t>Tuning</a:t>
-            </a:r>
-            <a:endParaRPr lang="es-ES" dirty="0"/>
-          </a:p>
-        </p:txBody>
-      </p:sp>
-      <p:sp>
-        <p:nvSpPr>
-          <p:cNvPr id="12" name="11 CuadroTexto"/>
-          <p:cNvSpPr txBox="1"/>
-          <p:nvPr/>
-        </p:nvSpPr>
-        <p:spPr>
-          <a:xfrm>
-            <a:off x="5685899" y="3185507"/>
-            <a:ext cx="2397924" cy="738664"/>
-          </a:xfrm>
-          <a:prstGeom prst="rect">
-            <a:avLst/>
-          </a:prstGeom>
-          <a:noFill/>
-        </p:spPr>
-        <p:txBody>
-          <a:bodyPr wrap="square" rtlCol="0">
-            <a:spAutoFit/>
-          </a:bodyPr>
-          <a:lstStyle/>
-          <a:p>
-            <a:pPr algn="ctr"/>
-            <a:r>
-              <a:rPr lang="es-ES" dirty="0" smtClean="0"/>
-              <a:t>Enfoque mixto:</a:t>
-            </a:r>
-          </a:p>
-          <a:p>
-            <a:pPr marL="285750" indent="-285750" algn="ctr">
-              <a:buFontTx/>
-              <a:buChar char="-"/>
-            </a:pPr>
-            <a:r>
-              <a:rPr lang="es-ES" dirty="0" smtClean="0"/>
-              <a:t>Inputs generales</a:t>
-            </a:r>
-          </a:p>
-          <a:p>
-            <a:pPr marL="285750" indent="-285750" algn="ctr">
-              <a:buFontTx/>
-              <a:buChar char="-"/>
-            </a:pPr>
-            <a:r>
-              <a:rPr lang="es-ES" dirty="0" smtClean="0"/>
-              <a:t>Inputs específicos</a:t>
-            </a:r>
-            <a:endParaRPr lang="es-ES" dirty="0"/>
-          </a:p>
-        </p:txBody>
-      </p:sp>
-      <p:sp>
-        <p:nvSpPr>
-          <p:cNvPr id="13" name="12 CuadroTexto"/>
-          <p:cNvSpPr txBox="1"/>
-          <p:nvPr/>
-        </p:nvSpPr>
-        <p:spPr>
-          <a:xfrm>
-            <a:off x="3218924" y="3185507"/>
-            <a:ext cx="2397924" cy="523220"/>
-          </a:xfrm>
-          <a:prstGeom prst="rect">
-            <a:avLst/>
-          </a:prstGeom>
-          <a:noFill/>
-        </p:spPr>
-        <p:txBody>
-          <a:bodyPr wrap="square" rtlCol="0">
-            <a:spAutoFit/>
-          </a:bodyPr>
-          <a:lstStyle/>
-          <a:p>
-            <a:pPr algn="ctr"/>
-            <a:r>
-              <a:rPr lang="es-ES" dirty="0" smtClean="0"/>
-              <a:t>Otros modelos:</a:t>
-            </a:r>
-          </a:p>
-          <a:p>
-            <a:pPr algn="ctr"/>
-            <a:r>
-              <a:rPr lang="es-ES" dirty="0" smtClean="0"/>
-              <a:t>Traducción</a:t>
-            </a:r>
-            <a:endParaRPr lang="es-ES" dirty="0"/>
+            <a:endParaRPr lang="es-ES" sz="800" dirty="0"/>
           </a:p>
         </p:txBody>
       </p:sp>
       <p:pic>
         <p:nvPicPr>
-          <p:cNvPr id="14" name="Picture 2"/>
+          <p:cNvPr id="2056" name="Picture 8" descr="La importancia de una buena traducción en una estrategia de  internacionalización - El Rincón del Emprendedor"/>
+          <p:cNvPicPr>
+            <a:picLocks noChangeAspect="1" noChangeArrowheads="1"/>
+          </p:cNvPicPr>
+          <p:nvPr/>
+        </p:nvPicPr>
+        <p:blipFill rotWithShape="1">
+          <a:blip r:embed="rId9">
+            <a:extLst>
+              <a:ext uri="{28A0092B-C50C-407E-A947-70E740481C1C}">
+                <a14:useLocalDpi xmlns:a14="http://schemas.microsoft.com/office/drawing/2010/main" val="0"/>
+              </a:ext>
+            </a:extLst>
+          </a:blip>
+          <a:srcRect l="24613" r="22691"/>
+          <a:stretch/>
+        </p:blipFill>
+        <p:spPr bwMode="auto">
+          <a:xfrm>
+            <a:off x="3161705" y="1471517"/>
+            <a:ext cx="2094997" cy="1677223"/>
+          </a:xfrm>
+          <a:prstGeom prst="rect">
+            <a:avLst/>
+          </a:prstGeom>
+          <a:noFill/>
+          <a:effectLst>
+            <a:softEdge rad="63500"/>
+          </a:effectLst>
+          <a:extLst>
+            <a:ext uri="{909E8E84-426E-40DD-AFC4-6F175D3DCCD1}">
+              <a14:hiddenFill xmlns:a14="http://schemas.microsoft.com/office/drawing/2010/main">
+                <a:solidFill>
+                  <a:srgbClr val="FFFFFF"/>
+                </a:solidFill>
+              </a14:hiddenFill>
+            </a:ext>
+          </a:extLst>
+        </p:spPr>
+      </p:pic>
+      <p:pic>
+        <p:nvPicPr>
+          <p:cNvPr id="2060" name="Picture 12" descr="Mapa del tesoro con lupa dibujos animados vector icono ilustración  educación naturaleza icono aislado | Vector Gratis"/>
           <p:cNvPicPr>
             <a:picLocks noChangeAspect="1" noChangeArrowheads="1"/>
           </p:cNvPicPr>
           <p:nvPr/>
         </p:nvPicPr>
         <p:blipFill>
-          <a:blip r:embed="rId5">
+          <a:blip r:embed="rId10">
             <a:extLst>
               <a:ext uri="{28A0092B-C50C-407E-A947-70E740481C1C}">
                 <a14:useLocalDpi xmlns:a14="http://schemas.microsoft.com/office/drawing/2010/main" val="0"/>
@@ -14720,141 +15067,23 @@
         </p:blipFill>
         <p:spPr bwMode="auto">
           <a:xfrm>
-            <a:off x="1127593" y="1557382"/>
-            <a:ext cx="1609588" cy="1530797"/>
+            <a:off x="697378" y="1484014"/>
+            <a:ext cx="1677223" cy="1677223"/>
           </a:xfrm>
           <a:prstGeom prst="rect">
             <a:avLst/>
           </a:prstGeom>
           <a:noFill/>
-          <a:ln>
-            <a:noFill/>
-          </a:ln>
+          <a:effectLst>
+            <a:softEdge rad="63500"/>
+          </a:effectLst>
           <a:extLst>
             <a:ext uri="{909E8E84-426E-40DD-AFC4-6F175D3DCCD1}">
               <a14:hiddenFill xmlns:a14="http://schemas.microsoft.com/office/drawing/2010/main">
                 <a:solidFill>
-                  <a:schemeClr val="accent1"/>
+                  <a:srgbClr val="FFFFFF"/>
                 </a:solidFill>
               </a14:hiddenFill>
-            </a:ext>
-            <a:ext uri="{91240B29-F687-4F45-9708-019B960494DF}">
-              <a14:hiddenLine xmlns:a14="http://schemas.microsoft.com/office/drawing/2010/main" w="9525">
-                <a:solidFill>
-                  <a:schemeClr val="tx1"/>
-                </a:solidFill>
-                <a:miter lim="800000"/>
-                <a:headEnd/>
-                <a:tailEnd/>
-              </a14:hiddenLine>
-            </a:ext>
-          </a:extLst>
-        </p:spPr>
-      </p:pic>
-      <p:pic>
-        <p:nvPicPr>
-          <p:cNvPr id="15" name="Picture 2"/>
-          <p:cNvPicPr>
-            <a:picLocks noChangeAspect="1" noChangeArrowheads="1"/>
-          </p:cNvPicPr>
-          <p:nvPr/>
-        </p:nvPicPr>
-        <p:blipFill>
-          <a:blip r:embed="rId5">
-            <a:extLst>
-              <a:ext uri="{28A0092B-C50C-407E-A947-70E740481C1C}">
-                <a14:useLocalDpi xmlns:a14="http://schemas.microsoft.com/office/drawing/2010/main" val="0"/>
-              </a:ext>
-            </a:extLst>
-          </a:blip>
-          <a:srcRect/>
-          <a:stretch>
-            <a:fillRect/>
-          </a:stretch>
-        </p:blipFill>
-        <p:spPr bwMode="auto">
-          <a:xfrm>
-            <a:off x="3613092" y="1557381"/>
-            <a:ext cx="1609588" cy="1530797"/>
-          </a:xfrm>
-          <a:prstGeom prst="rect">
-            <a:avLst/>
-          </a:prstGeom>
-          <a:noFill/>
-          <a:ln>
-            <a:noFill/>
-          </a:ln>
-          <a:extLst>
-            <a:ext uri="{909E8E84-426E-40DD-AFC4-6F175D3DCCD1}">
-              <a14:hiddenFill xmlns:a14="http://schemas.microsoft.com/office/drawing/2010/main">
-                <a:solidFill>
-                  <a:schemeClr val="accent1"/>
-                </a:solidFill>
-              </a14:hiddenFill>
-            </a:ext>
-            <a:ext uri="{91240B29-F687-4F45-9708-019B960494DF}">
-              <a14:hiddenLine xmlns:a14="http://schemas.microsoft.com/office/drawing/2010/main" w="9525">
-                <a:solidFill>
-                  <a:schemeClr val="tx1"/>
-                </a:solidFill>
-                <a:miter lim="800000"/>
-                <a:headEnd/>
-                <a:tailEnd/>
-              </a14:hiddenLine>
-            </a:ext>
-          </a:extLst>
-        </p:spPr>
-      </p:pic>
-      <p:pic>
-        <p:nvPicPr>
-          <p:cNvPr id="16" name="Picture 2"/>
-          <p:cNvPicPr>
-            <a:picLocks noChangeAspect="1" noChangeArrowheads="1"/>
-          </p:cNvPicPr>
-          <p:nvPr/>
-        </p:nvPicPr>
-        <p:blipFill>
-          <a:blip r:embed="rId5">
-            <a:extLst>
-              <a:ext uri="{28A0092B-C50C-407E-A947-70E740481C1C}">
-                <a14:useLocalDpi xmlns:a14="http://schemas.microsoft.com/office/drawing/2010/main" val="0"/>
-              </a:ext>
-            </a:extLst>
-          </a:blip>
-          <a:srcRect/>
-          <a:stretch>
-            <a:fillRect/>
-          </a:stretch>
-        </p:blipFill>
-        <p:spPr bwMode="auto">
-          <a:xfrm>
-            <a:off x="6080067" y="1557380"/>
-            <a:ext cx="1609588" cy="1530797"/>
-          </a:xfrm>
-          <a:prstGeom prst="rect">
-            <a:avLst/>
-          </a:prstGeom>
-          <a:noFill/>
-          <a:ln>
-            <a:noFill/>
-          </a:ln>
-          <a:extLst>
-            <a:ext uri="{909E8E84-426E-40DD-AFC4-6F175D3DCCD1}">
-              <a14:hiddenFill xmlns:a14="http://schemas.microsoft.com/office/drawing/2010/main">
-                <a:solidFill>
-                  <a:schemeClr val="accent1"/>
-                </a:solidFill>
-              </a14:hiddenFill>
-            </a:ext>
-            <a:ext uri="{91240B29-F687-4F45-9708-019B960494DF}">
-              <a14:hiddenLine xmlns:a14="http://schemas.microsoft.com/office/drawing/2010/main" w="9525">
-                <a:solidFill>
-                  <a:schemeClr val="tx1"/>
-                </a:solidFill>
-                <a:miter lim="800000"/>
-                <a:headEnd/>
-                <a:tailEnd/>
-              </a14:hiddenLine>
             </a:ext>
           </a:extLst>
         </p:spPr>
@@ -14896,6 +15125,70 @@
           <a:chExt cx="0" cy="0"/>
         </a:xfrm>
       </p:grpSpPr>
+      <p:pic>
+        <p:nvPicPr>
+          <p:cNvPr id="14" name="Picture 2"/>
+          <p:cNvPicPr>
+            <a:picLocks noChangeAspect="1" noChangeArrowheads="1"/>
+          </p:cNvPicPr>
+          <p:nvPr/>
+        </p:nvPicPr>
+        <p:blipFill>
+          <a:blip r:embed="rId3">
+            <a:extLst>
+              <a:ext uri="{28A0092B-C50C-407E-A947-70E740481C1C}">
+                <a14:useLocalDpi xmlns:a14="http://schemas.microsoft.com/office/drawing/2010/main" val="0"/>
+              </a:ext>
+            </a:extLst>
+          </a:blip>
+          <a:srcRect/>
+          <a:stretch>
+            <a:fillRect/>
+          </a:stretch>
+        </p:blipFill>
+        <p:spPr bwMode="auto">
+          <a:xfrm>
+            <a:off x="-182047" y="1786"/>
+            <a:ext cx="9764197" cy="5384602"/>
+          </a:xfrm>
+          <a:prstGeom prst="rect">
+            <a:avLst/>
+          </a:prstGeom>
+          <a:noFill/>
+          <a:ln>
+            <a:noFill/>
+          </a:ln>
+          <a:effectLst/>
+          <a:extLst>
+            <a:ext uri="{909E8E84-426E-40DD-AFC4-6F175D3DCCD1}">
+              <a14:hiddenFill xmlns:a14="http://schemas.microsoft.com/office/drawing/2010/main">
+                <a:solidFill>
+                  <a:schemeClr val="accent1"/>
+                </a:solidFill>
+              </a14:hiddenFill>
+            </a:ext>
+            <a:ext uri="{91240B29-F687-4F45-9708-019B960494DF}">
+              <a14:hiddenLine xmlns:a14="http://schemas.microsoft.com/office/drawing/2010/main" w="9525">
+                <a:solidFill>
+                  <a:schemeClr val="tx1"/>
+                </a:solidFill>
+                <a:miter lim="800000"/>
+                <a:headEnd/>
+                <a:tailEnd/>
+              </a14:hiddenLine>
+            </a:ext>
+            <a:ext uri="{AF507438-7753-43E0-B8FC-AC1667EBCBE1}">
+              <a14:hiddenEffects xmlns:a14="http://schemas.microsoft.com/office/drawing/2010/main">
+                <a:effectLst>
+                  <a:outerShdw dist="35921" dir="2700000" algn="ctr" rotWithShape="0">
+                    <a:schemeClr val="bg2"/>
+                  </a:outerShdw>
+                </a:effectLst>
+              </a14:hiddenEffects>
+            </a:ext>
+          </a:extLst>
+        </p:spPr>
+      </p:pic>
       <p:cxnSp>
         <p:nvCxnSpPr>
           <p:cNvPr id="125" name="Google Shape;125;p28"/>
@@ -14984,7 +15277,7 @@
           <p:nvPr/>
         </p:nvPicPr>
         <p:blipFill>
-          <a:blip r:embed="rId3">
+          <a:blip r:embed="rId4">
             <a:alphaModFix/>
           </a:blip>
           <a:stretch>
@@ -15005,16 +15298,207 @@
           </a:ln>
         </p:spPr>
       </p:pic>
+      <p:sp>
+        <p:nvSpPr>
+          <p:cNvPr id="4" name="3 Rectángulo redondeado"/>
+          <p:cNvSpPr/>
+          <p:nvPr/>
+        </p:nvSpPr>
+        <p:spPr>
+          <a:xfrm>
+            <a:off x="37028" y="804630"/>
+            <a:ext cx="3155697" cy="3957870"/>
+          </a:xfrm>
+          <a:prstGeom prst="roundRect">
+            <a:avLst/>
+          </a:prstGeom>
+          <a:solidFill>
+            <a:schemeClr val="accent3">
+              <a:lumMod val="20000"/>
+              <a:lumOff val="80000"/>
+            </a:schemeClr>
+          </a:solidFill>
+        </p:spPr>
+        <p:style>
+          <a:lnRef idx="2">
+            <a:schemeClr val="accent1">
+              <a:shade val="50000"/>
+            </a:schemeClr>
+          </a:lnRef>
+          <a:fillRef idx="1">
+            <a:schemeClr val="accent1"/>
+          </a:fillRef>
+          <a:effectRef idx="0">
+            <a:schemeClr val="accent1"/>
+          </a:effectRef>
+          <a:fontRef idx="minor">
+            <a:schemeClr val="lt1"/>
+          </a:fontRef>
+        </p:style>
+        <p:txBody>
+          <a:bodyPr rtlCol="0" anchor="ctr"/>
+          <a:lstStyle/>
+          <a:p>
+            <a:pPr algn="ctr"/>
+            <a:endParaRPr lang="es-ES"/>
+          </a:p>
+        </p:txBody>
+      </p:sp>
+      <p:sp>
+        <p:nvSpPr>
+          <p:cNvPr id="2" name="1 CuadroTexto"/>
+          <p:cNvSpPr txBox="1"/>
+          <p:nvPr/>
+        </p:nvSpPr>
+        <p:spPr>
+          <a:xfrm>
+            <a:off x="856029" y="1330402"/>
+            <a:ext cx="1640193" cy="276999"/>
+          </a:xfrm>
+          <a:prstGeom prst="rect">
+            <a:avLst/>
+          </a:prstGeom>
+          <a:noFill/>
+        </p:spPr>
+        <p:txBody>
+          <a:bodyPr wrap="none" rtlCol="0">
+            <a:spAutoFit/>
+          </a:bodyPr>
+          <a:lstStyle/>
+          <a:p>
+            <a:r>
+              <a:rPr lang="es-ES" sz="1200" b="1" i="1" dirty="0" smtClean="0"/>
+              <a:t>Sobre </a:t>
+            </a:r>
+            <a:r>
+              <a:rPr lang="es-ES" sz="1200" b="1" i="1" dirty="0" err="1" smtClean="0"/>
+              <a:t>HuggingFace</a:t>
+            </a:r>
+            <a:endParaRPr lang="es-ES" sz="1200" b="1" i="1" dirty="0"/>
+          </a:p>
+        </p:txBody>
+      </p:sp>
+      <p:sp>
+        <p:nvSpPr>
+          <p:cNvPr id="9" name="8 CuadroTexto"/>
+          <p:cNvSpPr txBox="1"/>
+          <p:nvPr/>
+        </p:nvSpPr>
+        <p:spPr>
+          <a:xfrm>
+            <a:off x="291716" y="2420005"/>
+            <a:ext cx="2728632" cy="646331"/>
+          </a:xfrm>
+          <a:prstGeom prst="rect">
+            <a:avLst/>
+          </a:prstGeom>
+          <a:noFill/>
+        </p:spPr>
+        <p:txBody>
+          <a:bodyPr wrap="none" rtlCol="0">
+            <a:spAutoFit/>
+          </a:bodyPr>
+          <a:lstStyle/>
+          <a:p>
+            <a:pPr algn="ctr"/>
+            <a:r>
+              <a:rPr lang="es-ES" sz="1200" b="1" i="1" dirty="0" smtClean="0"/>
+              <a:t>Fine-</a:t>
+            </a:r>
+            <a:r>
+              <a:rPr lang="es-ES" sz="1200" b="1" i="1" dirty="0" err="1" smtClean="0"/>
+              <a:t>tuning</a:t>
+            </a:r>
+            <a:endParaRPr lang="es-ES" sz="1200" b="1" i="1" dirty="0" smtClean="0"/>
+          </a:p>
+          <a:p>
+            <a:pPr algn="ctr"/>
+            <a:r>
+              <a:rPr lang="es-ES" sz="1200" i="1" dirty="0" smtClean="0"/>
+              <a:t>El tamaño importa…</a:t>
+            </a:r>
+          </a:p>
+          <a:p>
+            <a:pPr algn="ctr"/>
+            <a:r>
+              <a:rPr lang="es-ES" sz="1200" i="1" dirty="0" smtClean="0"/>
+              <a:t>Y la forma de los datos </a:t>
+            </a:r>
+            <a:r>
+              <a:rPr lang="es-ES" sz="1200" i="1" dirty="0" err="1" smtClean="0"/>
+              <a:t>train</a:t>
+            </a:r>
+            <a:r>
+              <a:rPr lang="es-ES" sz="1200" i="1" dirty="0" smtClean="0"/>
+              <a:t> también.</a:t>
+            </a:r>
+            <a:endParaRPr lang="es-ES" sz="1200" i="1" dirty="0"/>
+          </a:p>
+        </p:txBody>
+      </p:sp>
+      <p:sp>
+        <p:nvSpPr>
+          <p:cNvPr id="12" name="11 CuadroTexto"/>
+          <p:cNvSpPr txBox="1"/>
+          <p:nvPr/>
+        </p:nvSpPr>
+        <p:spPr>
+          <a:xfrm>
+            <a:off x="446462" y="3771378"/>
+            <a:ext cx="2366352" cy="646331"/>
+          </a:xfrm>
+          <a:prstGeom prst="rect">
+            <a:avLst/>
+          </a:prstGeom>
+          <a:noFill/>
+        </p:spPr>
+        <p:txBody>
+          <a:bodyPr wrap="none" rtlCol="0">
+            <a:spAutoFit/>
+          </a:bodyPr>
+          <a:lstStyle/>
+          <a:p>
+            <a:pPr algn="ctr"/>
+            <a:r>
+              <a:rPr lang="es-ES" sz="1200" b="1" i="1" dirty="0" smtClean="0"/>
+              <a:t>Otras </a:t>
+            </a:r>
+            <a:r>
+              <a:rPr lang="es-ES" sz="1200" b="1" i="1" dirty="0" smtClean="0"/>
+              <a:t>Consideraciones</a:t>
+            </a:r>
+          </a:p>
+          <a:p>
+            <a:pPr algn="ctr"/>
+            <a:r>
+              <a:rPr lang="es-ES" sz="1200" i="1" dirty="0" smtClean="0"/>
+              <a:t>Sobre </a:t>
+            </a:r>
+            <a:r>
+              <a:rPr lang="es-ES" sz="1200" i="1" dirty="0" smtClean="0"/>
+              <a:t>los</a:t>
+            </a:r>
+          </a:p>
+          <a:p>
+            <a:pPr algn="ctr"/>
+            <a:r>
+              <a:rPr lang="es-ES" sz="1200" i="1" dirty="0" smtClean="0"/>
+              <a:t>Modelos de generación de texto</a:t>
+            </a:r>
+            <a:endParaRPr lang="es-ES" sz="1200" i="1" dirty="0"/>
+          </a:p>
+        </p:txBody>
+      </p:sp>
       <p:pic>
         <p:nvPicPr>
-          <p:cNvPr id="1026" name="Picture 2"/>
+          <p:cNvPr id="1027" name="Picture 3"/>
           <p:cNvPicPr>
             <a:picLocks noChangeAspect="1" noChangeArrowheads="1"/>
           </p:cNvPicPr>
           <p:nvPr/>
         </p:nvPicPr>
         <p:blipFill>
-          <a:blip r:embed="rId4">
+          <a:blip r:embed="rId5">
             <a:extLst>
               <a:ext uri="{28A0092B-C50C-407E-A947-70E740481C1C}">
                 <a14:useLocalDpi xmlns:a14="http://schemas.microsoft.com/office/drawing/2010/main" val="0"/>
@@ -15028,8 +15512,8 @@
         </p:blipFill>
         <p:spPr bwMode="auto">
           <a:xfrm>
-            <a:off x="2310098" y="1118584"/>
-            <a:ext cx="821251" cy="781050"/>
+            <a:off x="924788" y="2005189"/>
+            <a:ext cx="1409700" cy="80962"/>
           </a:xfrm>
           <a:prstGeom prst="rect">
             <a:avLst/>
@@ -15059,43 +15543,9 @@
           </a:extLst>
         </p:spPr>
       </p:pic>
-      <p:sp>
-        <p:nvSpPr>
-          <p:cNvPr id="2" name="1 CuadroTexto"/>
-          <p:cNvSpPr txBox="1"/>
-          <p:nvPr/>
-        </p:nvSpPr>
-        <p:spPr>
-          <a:xfrm>
-            <a:off x="1834349" y="2026732"/>
-            <a:ext cx="1776448" cy="307777"/>
-          </a:xfrm>
-          <a:prstGeom prst="rect">
-            <a:avLst/>
-          </a:prstGeom>
-          <a:noFill/>
-        </p:spPr>
-        <p:txBody>
-          <a:bodyPr wrap="none" rtlCol="0">
-            <a:spAutoFit/>
-          </a:bodyPr>
-          <a:lstStyle/>
-          <a:p>
-            <a:r>
-              <a:rPr lang="es-ES" dirty="0" smtClean="0"/>
-              <a:t>Sobre </a:t>
-            </a:r>
-            <a:r>
-              <a:rPr lang="es-ES" dirty="0" err="1" smtClean="0"/>
-              <a:t>HuggingFace</a:t>
-            </a:r>
-            <a:endParaRPr lang="es-ES" dirty="0"/>
-          </a:p>
-        </p:txBody>
-      </p:sp>
       <p:pic>
         <p:nvPicPr>
-          <p:cNvPr id="1027" name="Picture 3"/>
+          <p:cNvPr id="13" name="Picture 3"/>
           <p:cNvPicPr>
             <a:picLocks noChangeAspect="1" noChangeArrowheads="1"/>
           </p:cNvPicPr>
@@ -15116,7 +15566,7 @@
         </p:blipFill>
         <p:spPr bwMode="auto">
           <a:xfrm>
-            <a:off x="2017723" y="1945770"/>
+            <a:off x="909757" y="3367252"/>
             <a:ext cx="1409700" cy="80962"/>
           </a:xfrm>
           <a:prstGeom prst="rect">
@@ -15147,70 +15597,16 @@
           </a:extLst>
         </p:spPr>
       </p:pic>
-      <p:pic>
-        <p:nvPicPr>
-          <p:cNvPr id="8" name="Picture 2"/>
-          <p:cNvPicPr>
-            <a:picLocks noChangeAspect="1" noChangeArrowheads="1"/>
-          </p:cNvPicPr>
-          <p:nvPr/>
-        </p:nvPicPr>
-        <p:blipFill>
-          <a:blip r:embed="rId4">
-            <a:extLst>
-              <a:ext uri="{28A0092B-C50C-407E-A947-70E740481C1C}">
-                <a14:useLocalDpi xmlns:a14="http://schemas.microsoft.com/office/drawing/2010/main" val="0"/>
-              </a:ext>
-            </a:extLst>
-          </a:blip>
-          <a:srcRect/>
-          <a:stretch>
-            <a:fillRect/>
-          </a:stretch>
-        </p:blipFill>
-        <p:spPr bwMode="auto">
-          <a:xfrm>
-            <a:off x="5430644" y="1413268"/>
-            <a:ext cx="821251" cy="781050"/>
-          </a:xfrm>
-          <a:prstGeom prst="rect">
-            <a:avLst/>
-          </a:prstGeom>
-          <a:noFill/>
-          <a:ln>
-            <a:noFill/>
-          </a:ln>
-          <a:extLst>
-            <a:ext uri="{909E8E84-426E-40DD-AFC4-6F175D3DCCD1}">
-              <a14:hiddenFill xmlns:a14="http://schemas.microsoft.com/office/drawing/2010/main">
-                <a:solidFill>
-                  <a:schemeClr val="accent1"/>
-                </a:solidFill>
-              </a14:hiddenFill>
-            </a:ext>
-            <a:ext uri="{91240B29-F687-4F45-9708-019B960494DF}">
-              <a14:hiddenLine xmlns:a14="http://schemas.microsoft.com/office/drawing/2010/main" w="9525">
-                <a:solidFill>
-                  <a:schemeClr val="tx1"/>
-                </a:solidFill>
-                <a:miter lim="800000"/>
-                <a:headEnd/>
-                <a:tailEnd/>
-              </a14:hiddenLine>
-            </a:ext>
-          </a:extLst>
-        </p:spPr>
-      </p:pic>
       <p:sp>
         <p:nvSpPr>
-          <p:cNvPr id="9" name="8 CuadroTexto"/>
+          <p:cNvPr id="5" name="4 CuadroTexto"/>
           <p:cNvSpPr txBox="1"/>
           <p:nvPr/>
         </p:nvSpPr>
         <p:spPr>
           <a:xfrm>
-            <a:off x="4266961" y="2321416"/>
-            <a:ext cx="3148619" cy="738664"/>
+            <a:off x="8403092" y="4733009"/>
+            <a:ext cx="740908" cy="307777"/>
           </a:xfrm>
           <a:prstGeom prst="rect">
             <a:avLst/>
@@ -15223,242 +15619,16 @@
           </a:bodyPr>
           <a:lstStyle/>
           <a:p>
-            <a:pPr algn="ctr"/>
             <a:r>
-              <a:rPr lang="es-ES" dirty="0" smtClean="0"/>
-              <a:t>Fine-</a:t>
-            </a:r>
-            <a:r>
-              <a:rPr lang="es-ES" dirty="0" err="1" smtClean="0"/>
-              <a:t>tuning</a:t>
-            </a:r>
-            <a:endParaRPr lang="es-ES" dirty="0" smtClean="0"/>
-          </a:p>
-          <a:p>
-            <a:pPr algn="ctr"/>
-            <a:r>
-              <a:rPr lang="es-ES" dirty="0" smtClean="0"/>
-              <a:t>El tamaño importa…</a:t>
-            </a:r>
-          </a:p>
-          <a:p>
-            <a:pPr algn="ctr"/>
-            <a:r>
-              <a:rPr lang="es-ES" dirty="0" smtClean="0"/>
-              <a:t>Y la forma de los datos </a:t>
-            </a:r>
-            <a:r>
-              <a:rPr lang="es-ES" dirty="0" err="1" smtClean="0"/>
-              <a:t>train</a:t>
-            </a:r>
-            <a:r>
-              <a:rPr lang="es-ES" dirty="0" smtClean="0"/>
-              <a:t> también.</a:t>
+              <a:rPr lang="es-ES" dirty="0" smtClean="0">
+                <a:hlinkClick r:id="rId6"/>
+              </a:rPr>
+              <a:t>Fuente</a:t>
             </a:r>
             <a:endParaRPr lang="es-ES" dirty="0"/>
           </a:p>
         </p:txBody>
       </p:sp>
-      <p:pic>
-        <p:nvPicPr>
-          <p:cNvPr id="10" name="Picture 3"/>
-          <p:cNvPicPr>
-            <a:picLocks noChangeAspect="1" noChangeArrowheads="1"/>
-          </p:cNvPicPr>
-          <p:nvPr/>
-        </p:nvPicPr>
-        <p:blipFill>
-          <a:blip r:embed="rId5">
-            <a:extLst>
-              <a:ext uri="{28A0092B-C50C-407E-A947-70E740481C1C}">
-                <a14:useLocalDpi xmlns:a14="http://schemas.microsoft.com/office/drawing/2010/main" val="0"/>
-              </a:ext>
-            </a:extLst>
-          </a:blip>
-          <a:srcRect/>
-          <a:stretch>
-            <a:fillRect/>
-          </a:stretch>
-        </p:blipFill>
-        <p:spPr bwMode="auto">
-          <a:xfrm>
-            <a:off x="5138269" y="2240454"/>
-            <a:ext cx="1409700" cy="80962"/>
-          </a:xfrm>
-          <a:prstGeom prst="rect">
-            <a:avLst/>
-          </a:prstGeom>
-          <a:noFill/>
-          <a:ln>
-            <a:noFill/>
-          </a:ln>
-          <a:extLst>
-            <a:ext uri="{909E8E84-426E-40DD-AFC4-6F175D3DCCD1}">
-              <a14:hiddenFill xmlns:a14="http://schemas.microsoft.com/office/drawing/2010/main">
-                <a:solidFill>
-                  <a:schemeClr val="accent1"/>
-                </a:solidFill>
-              </a14:hiddenFill>
-            </a:ext>
-            <a:ext uri="{91240B29-F687-4F45-9708-019B960494DF}">
-              <a14:hiddenLine xmlns:a14="http://schemas.microsoft.com/office/drawing/2010/main" w="9525">
-                <a:solidFill>
-                  <a:schemeClr val="tx1"/>
-                </a:solidFill>
-                <a:miter lim="800000"/>
-                <a:headEnd/>
-                <a:tailEnd/>
-              </a14:hiddenLine>
-            </a:ext>
-          </a:extLst>
-        </p:spPr>
-      </p:pic>
-      <p:pic>
-        <p:nvPicPr>
-          <p:cNvPr id="11" name="Picture 2"/>
-          <p:cNvPicPr>
-            <a:picLocks noChangeAspect="1" noChangeArrowheads="1"/>
-          </p:cNvPicPr>
-          <p:nvPr/>
-        </p:nvPicPr>
-        <p:blipFill>
-          <a:blip r:embed="rId4">
-            <a:extLst>
-              <a:ext uri="{28A0092B-C50C-407E-A947-70E740481C1C}">
-                <a14:useLocalDpi xmlns:a14="http://schemas.microsoft.com/office/drawing/2010/main" val="0"/>
-              </a:ext>
-            </a:extLst>
-          </a:blip>
-          <a:srcRect/>
-          <a:stretch>
-            <a:fillRect/>
-          </a:stretch>
-        </p:blipFill>
-        <p:spPr bwMode="auto">
-          <a:xfrm>
-            <a:off x="3200171" y="3106891"/>
-            <a:ext cx="821251" cy="781050"/>
-          </a:xfrm>
-          <a:prstGeom prst="rect">
-            <a:avLst/>
-          </a:prstGeom>
-          <a:noFill/>
-          <a:ln>
-            <a:noFill/>
-          </a:ln>
-          <a:extLst>
-            <a:ext uri="{909E8E84-426E-40DD-AFC4-6F175D3DCCD1}">
-              <a14:hiddenFill xmlns:a14="http://schemas.microsoft.com/office/drawing/2010/main">
-                <a:solidFill>
-                  <a:schemeClr val="accent1"/>
-                </a:solidFill>
-              </a14:hiddenFill>
-            </a:ext>
-            <a:ext uri="{91240B29-F687-4F45-9708-019B960494DF}">
-              <a14:hiddenLine xmlns:a14="http://schemas.microsoft.com/office/drawing/2010/main" w="9525">
-                <a:solidFill>
-                  <a:schemeClr val="tx1"/>
-                </a:solidFill>
-                <a:miter lim="800000"/>
-                <a:headEnd/>
-                <a:tailEnd/>
-              </a14:hiddenLine>
-            </a:ext>
-          </a:extLst>
-        </p:spPr>
-      </p:pic>
-      <p:sp>
-        <p:nvSpPr>
-          <p:cNvPr id="12" name="11 CuadroTexto"/>
-          <p:cNvSpPr txBox="1"/>
-          <p:nvPr/>
-        </p:nvSpPr>
-        <p:spPr>
-          <a:xfrm>
-            <a:off x="2220034" y="4021880"/>
-            <a:ext cx="2781531" cy="523220"/>
-          </a:xfrm>
-          <a:prstGeom prst="rect">
-            <a:avLst/>
-          </a:prstGeom>
-          <a:noFill/>
-        </p:spPr>
-        <p:txBody>
-          <a:bodyPr wrap="none" rtlCol="0">
-            <a:spAutoFit/>
-          </a:bodyPr>
-          <a:lstStyle/>
-          <a:p>
-            <a:pPr algn="ctr"/>
-            <a:r>
-              <a:rPr lang="es-ES" dirty="0" smtClean="0"/>
-              <a:t>Otras Consideraciones sobre los</a:t>
-            </a:r>
-          </a:p>
-          <a:p>
-            <a:pPr algn="ctr"/>
-            <a:r>
-              <a:rPr lang="es-ES" dirty="0" smtClean="0"/>
-              <a:t>Modelos de generación de texto</a:t>
-            </a:r>
-            <a:endParaRPr lang="es-ES" dirty="0"/>
-          </a:p>
-        </p:txBody>
-      </p:sp>
-      <p:pic>
-        <p:nvPicPr>
-          <p:cNvPr id="13" name="Picture 3"/>
-          <p:cNvPicPr>
-            <a:picLocks noChangeAspect="1" noChangeArrowheads="1"/>
-          </p:cNvPicPr>
-          <p:nvPr/>
-        </p:nvPicPr>
-        <p:blipFill>
-          <a:blip r:embed="rId5">
-            <a:extLst>
-              <a:ext uri="{28A0092B-C50C-407E-A947-70E740481C1C}">
-                <a14:useLocalDpi xmlns:a14="http://schemas.microsoft.com/office/drawing/2010/main" val="0"/>
-              </a:ext>
-            </a:extLst>
-          </a:blip>
-          <a:srcRect/>
-          <a:stretch>
-            <a:fillRect/>
-          </a:stretch>
-        </p:blipFill>
-        <p:spPr bwMode="auto">
-          <a:xfrm>
-            <a:off x="2907796" y="3934077"/>
-            <a:ext cx="1409700" cy="80962"/>
-          </a:xfrm>
-          <a:prstGeom prst="rect">
-            <a:avLst/>
-          </a:prstGeom>
-          <a:noFill/>
-          <a:ln>
-            <a:noFill/>
-          </a:ln>
-          <a:extLst>
-            <a:ext uri="{909E8E84-426E-40DD-AFC4-6F175D3DCCD1}">
-              <a14:hiddenFill xmlns:a14="http://schemas.microsoft.com/office/drawing/2010/main">
-                <a:solidFill>
-                  <a:schemeClr val="accent1"/>
-                </a:solidFill>
-              </a14:hiddenFill>
-            </a:ext>
-            <a:ext uri="{91240B29-F687-4F45-9708-019B960494DF}">
-              <a14:hiddenLine xmlns:a14="http://schemas.microsoft.com/office/drawing/2010/main" w="9525">
-                <a:solidFill>
-                  <a:schemeClr val="tx1"/>
-                </a:solidFill>
-                <a:miter lim="800000"/>
-                <a:headEnd/>
-                <a:tailEnd/>
-              </a14:hiddenLine>
-            </a:ext>
-          </a:extLst>
-        </p:spPr>
-      </p:pic>
     </p:spTree>
     <p:extLst>
       <p:ext uri="{BB962C8B-B14F-4D97-AF65-F5344CB8AC3E}">
@@ -15792,15 +15962,33 @@
               <a:buAutoNum type="arabicParenR"/>
             </a:pPr>
             <a:r>
-              <a:rPr lang="es">
+              <a:rPr lang="es" dirty="0" smtClean="0">
+                <a:solidFill>
+                  <a:schemeClr val="accent1"/>
+                </a:solidFill>
                 <a:latin typeface="Montserrat"/>
                 <a:ea typeface="Montserrat"/>
                 <a:cs typeface="Montserrat"/>
                 <a:sym typeface="Montserrat"/>
               </a:rPr>
-              <a:t>Repo Git con licencia MIT</a:t>
+              <a:t>***Repo </a:t>
             </a:r>
-            <a:endParaRPr>
+            <a:r>
+              <a:rPr lang="es" dirty="0">
+                <a:solidFill>
+                  <a:schemeClr val="accent1"/>
+                </a:solidFill>
+                <a:latin typeface="Montserrat"/>
+                <a:ea typeface="Montserrat"/>
+                <a:cs typeface="Montserrat"/>
+                <a:sym typeface="Montserrat"/>
+              </a:rPr>
+              <a:t>Git con licencia MIT</a:t>
+            </a:r>
+            <a:endParaRPr dirty="0">
+              <a:solidFill>
+                <a:schemeClr val="accent1"/>
+              </a:solidFill>
               <a:latin typeface="Montserrat"/>
               <a:ea typeface="Montserrat"/>
               <a:cs typeface="Montserrat"/>
@@ -15817,7 +16005,7 @@
               </a:spcAft>
               <a:buNone/>
             </a:pPr>
-            <a:endParaRPr>
+            <a:endParaRPr dirty="0">
               <a:latin typeface="Montserrat"/>
               <a:ea typeface="Montserrat"/>
               <a:cs typeface="Montserrat"/>
@@ -15834,7 +16022,10 @@
               </a:spcAft>
               <a:buNone/>
             </a:pPr>
-            <a:endParaRPr>
+            <a:endParaRPr dirty="0">
+              <a:solidFill>
+                <a:srgbClr val="FF0000"/>
+              </a:solidFill>
               <a:latin typeface="Montserrat"/>
               <a:ea typeface="Montserrat"/>
               <a:cs typeface="Montserrat"/>
@@ -15854,15 +16045,21 @@
               <a:buAutoNum type="arabicParenR"/>
             </a:pPr>
             <a:r>
-              <a:rPr lang="es">
+              <a:rPr lang="es" dirty="0" smtClean="0">
+                <a:solidFill>
+                  <a:srgbClr val="FF0000"/>
+                </a:solidFill>
                 <a:latin typeface="Montserrat"/>
                 <a:ea typeface="Montserrat"/>
                 <a:cs typeface="Montserrat"/>
                 <a:sym typeface="Montserrat"/>
               </a:rPr>
-              <a:t>Presentación para el DemoDay (10 min) </a:t>
+              <a:t>***Presentación para el DemoDay (10 min) </a:t>
             </a:r>
-            <a:endParaRPr>
+            <a:endParaRPr dirty="0">
+              <a:solidFill>
+                <a:srgbClr val="FF0000"/>
+              </a:solidFill>
               <a:latin typeface="Montserrat"/>
               <a:ea typeface="Montserrat"/>
               <a:cs typeface="Montserrat"/>
@@ -15879,7 +16076,10 @@
               </a:spcAft>
               <a:buNone/>
             </a:pPr>
-            <a:endParaRPr>
+            <a:endParaRPr dirty="0">
+              <a:solidFill>
+                <a:srgbClr val="FF0000"/>
+              </a:solidFill>
               <a:latin typeface="Montserrat"/>
               <a:ea typeface="Montserrat"/>
               <a:cs typeface="Montserrat"/>
@@ -15896,7 +16096,10 @@
               </a:spcAft>
               <a:buNone/>
             </a:pPr>
-            <a:endParaRPr>
+            <a:endParaRPr dirty="0">
+              <a:solidFill>
+                <a:srgbClr val="FF0000"/>
+              </a:solidFill>
               <a:latin typeface="Montserrat"/>
               <a:ea typeface="Montserrat"/>
               <a:cs typeface="Montserrat"/>
@@ -15916,15 +16119,21 @@
               <a:buAutoNum type="arabicParenR"/>
             </a:pPr>
             <a:r>
-              <a:rPr lang="es">
+              <a:rPr lang="es" dirty="0" smtClean="0">
+                <a:solidFill>
+                  <a:srgbClr val="FF0000"/>
+                </a:solidFill>
                 <a:latin typeface="Montserrat"/>
                 <a:ea typeface="Montserrat"/>
                 <a:cs typeface="Montserrat"/>
                 <a:sym typeface="Montserrat"/>
               </a:rPr>
-              <a:t>Post de Medium</a:t>
+              <a:t>***Post de Medium</a:t>
             </a:r>
-            <a:endParaRPr>
+            <a:endParaRPr dirty="0">
+              <a:solidFill>
+                <a:srgbClr val="FF0000"/>
+              </a:solidFill>
               <a:latin typeface="Montserrat"/>
               <a:ea typeface="Montserrat"/>
               <a:cs typeface="Montserrat"/>
